--- a/MP2_6CS342_AY23-24_ESE_presentation_format.pptx
+++ b/MP2_6CS342_AY23-24_ESE_presentation_format.pptx
@@ -17,7 +17,7 @@
     <p:sldId id="268" r:id="rId8"/>
     <p:sldId id="264" r:id="rId9"/>
     <p:sldId id="269" r:id="rId10"/>
-    <p:sldId id="263" r:id="rId11"/>
+    <p:sldId id="271" r:id="rId11"/>
     <p:sldId id="265" r:id="rId12"/>
     <p:sldId id="266" r:id="rId13"/>
     <p:sldId id="267" r:id="rId14"/>
@@ -3669,7 +3669,7 @@
                 <a:latin typeface="Times New Roman" panose="02020603050405020304" pitchFamily="18" charset="0"/>
                 <a:cs typeface="Times New Roman" panose="02020603050405020304" pitchFamily="18" charset="0"/>
               </a:rPr>
-              <a:t>                                  Mr. </a:t>
+              <a:t>                                  Prof. </a:t>
             </a:r>
             <a:r>
               <a:rPr lang="en-IN" dirty="0" err="1">
@@ -3679,7 +3679,7 @@
                 <a:latin typeface="Times New Roman" panose="02020603050405020304" pitchFamily="18" charset="0"/>
                 <a:cs typeface="Times New Roman" panose="02020603050405020304" pitchFamily="18" charset="0"/>
               </a:rPr>
-              <a:t>Siddharj</a:t>
+              <a:t>Siddharaj</a:t>
             </a:r>
             <a:r>
               <a:rPr lang="en-IN" dirty="0">
@@ -3933,7 +3933,7 @@
         </p:nvSpPr>
         <p:spPr>
           <a:xfrm>
-            <a:off x="6511266" y="5067085"/>
+            <a:off x="6256743" y="4790693"/>
             <a:ext cx="6801612" cy="1239894"/>
           </a:xfrm>
           <a:prstGeom prst="rect">
@@ -4289,16 +4289,6 @@
               </a:rPr>
               <a:t>Gate.app</a:t>
             </a:r>
-            <a:r>
-              <a:rPr lang="en-IN" sz="4000" i="1" dirty="0">
-                <a:solidFill>
-                  <a:srgbClr val="002060"/>
-                </a:solidFill>
-                <a:latin typeface="Times New Roman" panose="02020603050405020304" pitchFamily="18" charset="0"/>
-                <a:cs typeface="Times New Roman" panose="02020603050405020304" pitchFamily="18" charset="0"/>
-              </a:rPr>
-              <a:t>()</a:t>
-            </a:r>
             <a:endParaRPr lang="en-IN" sz="4000" i="1" dirty="0">
               <a:solidFill>
                 <a:srgbClr val="002060"/>
@@ -4321,7 +4311,7 @@
         </p:nvSpPr>
         <p:spPr>
           <a:xfrm>
-            <a:off x="2410545" y="3969341"/>
+            <a:off x="2410547" y="3948645"/>
             <a:ext cx="7370905" cy="400110"/>
           </a:xfrm>
           <a:prstGeom prst="rect">
@@ -4435,7 +4425,7 @@
           <p:cNvPr id="2" name="Title 1">
             <a:extLst>
               <a:ext uri="{FF2B5EF4-FFF2-40B4-BE49-F238E27FC236}">
-                <a16:creationId xmlns:a16="http://schemas.microsoft.com/office/drawing/2014/main" id="{0538D17A-8E5C-4C33-835B-08F7AB703010}"/>
+                <a16:creationId xmlns:a16="http://schemas.microsoft.com/office/drawing/2014/main" id="{DE573EC8-9B6E-42BF-A907-8A541CE697E4}"/>
               </a:ext>
             </a:extLst>
           </p:cNvPr>
@@ -4449,12 +4439,22 @@
         <p:spPr/>
         <p:txBody>
           <a:bodyPr>
-            <a:normAutofit fontScale="90000"/>
+            <a:normAutofit/>
           </a:bodyPr>
           <a:lstStyle/>
           <a:p>
             <a:pPr algn="l"/>
             <a:r>
+              <a:rPr lang="en-IN" sz="3100" dirty="0">
+                <a:solidFill>
+                  <a:srgbClr val="002060"/>
+                </a:solidFill>
+                <a:latin typeface="Times New Roman" panose="02020603050405020304" pitchFamily="18" charset="0"/>
+                <a:cs typeface="Times New Roman" panose="02020603050405020304" pitchFamily="18" charset="0"/>
+              </a:rPr>
+              <a:t>I</a:t>
+            </a:r>
+            <a:r>
               <a:rPr lang="en" sz="3100" dirty="0">
                 <a:solidFill>
                   <a:srgbClr val="002060"/>
@@ -4462,74 +4462,9 @@
                 <a:latin typeface="Times New Roman" panose="02020603050405020304" pitchFamily="18" charset="0"/>
                 <a:cs typeface="Times New Roman" panose="02020603050405020304" pitchFamily="18" charset="0"/>
               </a:rPr>
-              <a:t>Outcomes/Applications </a:t>
-            </a:r>
-            <a:br>
-              <a:rPr lang="en" dirty="0">
-                <a:solidFill>
-                  <a:srgbClr val="002060"/>
-                </a:solidFill>
-                <a:latin typeface="+mn-lt"/>
-              </a:rPr>
-            </a:br>
-            <a:r>
-              <a:rPr lang="en" dirty="0">
-                <a:solidFill>
-                  <a:srgbClr val="002060"/>
-                </a:solidFill>
-                <a:latin typeface="+mn-lt"/>
-              </a:rPr>
-              <a:t>				 </a:t>
-            </a:r>
-            <a:r>
-              <a:rPr lang="en" sz="1200" dirty="0">
-                <a:solidFill>
-                  <a:srgbClr val="002060"/>
-                </a:solidFill>
-                <a:latin typeface="Times New Roman" panose="02020603050405020304" pitchFamily="18" charset="0"/>
-                <a:cs typeface="Times New Roman" panose="02020603050405020304" pitchFamily="18" charset="0"/>
-              </a:rPr>
-              <a:t>Font: Times New roman</a:t>
-            </a:r>
-            <a:br>
-              <a:rPr lang="en" sz="1200" dirty="0">
-                <a:solidFill>
-                  <a:srgbClr val="002060"/>
-                </a:solidFill>
-                <a:latin typeface="Times New Roman" panose="02020603050405020304" pitchFamily="18" charset="0"/>
-                <a:cs typeface="Times New Roman" panose="02020603050405020304" pitchFamily="18" charset="0"/>
-              </a:rPr>
-            </a:br>
-            <a:r>
-              <a:rPr lang="en" sz="1200" dirty="0">
-                <a:solidFill>
-                  <a:srgbClr val="002060"/>
-                </a:solidFill>
-                <a:latin typeface="Times New Roman" panose="02020603050405020304" pitchFamily="18" charset="0"/>
-                <a:cs typeface="Times New Roman" panose="02020603050405020304" pitchFamily="18" charset="0"/>
-              </a:rPr>
-              <a:t>				  Size:28</a:t>
-            </a:r>
-            <a:br>
-              <a:rPr lang="en" sz="1200" dirty="0">
-                <a:solidFill>
-                  <a:srgbClr val="002060"/>
-                </a:solidFill>
-                <a:latin typeface="Times New Roman" panose="02020603050405020304" pitchFamily="18" charset="0"/>
-                <a:cs typeface="Times New Roman" panose="02020603050405020304" pitchFamily="18" charset="0"/>
-              </a:rPr>
-            </a:br>
-            <a:r>
-              <a:rPr lang="en" sz="1200" dirty="0">
-                <a:solidFill>
-                  <a:srgbClr val="002060"/>
-                </a:solidFill>
-                <a:latin typeface="Times New Roman" panose="02020603050405020304" pitchFamily="18" charset="0"/>
-                <a:cs typeface="Times New Roman" panose="02020603050405020304" pitchFamily="18" charset="0"/>
-              </a:rPr>
-              <a:t>				  alignment: Left</a:t>
-            </a:r>
-            <a:endParaRPr lang="en-IN" sz="1200" dirty="0"/>
+              <a:t>mplementation/results</a:t>
+            </a:r>
+            <a:endParaRPr lang="en-IN" dirty="0"/>
           </a:p>
         </p:txBody>
       </p:sp>
@@ -4538,7 +4473,7 @@
           <p:cNvPr id="3" name="Content Placeholder 2">
             <a:extLst>
               <a:ext uri="{FF2B5EF4-FFF2-40B4-BE49-F238E27FC236}">
-                <a16:creationId xmlns:a16="http://schemas.microsoft.com/office/drawing/2014/main" id="{D0A3CD7E-72C9-4AD0-B8DC-E611DD72E35A}"/>
+                <a16:creationId xmlns:a16="http://schemas.microsoft.com/office/drawing/2014/main" id="{7CD5B167-F730-4FEB-8DC1-587A787BD864}"/>
               </a:ext>
             </a:extLst>
           </p:cNvPr>
@@ -4551,258 +4486,162 @@
         </p:nvSpPr>
         <p:spPr/>
         <p:txBody>
-          <a:bodyPr/>
-          <a:lstStyle/>
-          <a:p>
-            <a:pPr marL="0" indent="0">
-              <a:buNone/>
+          <a:bodyPr>
+            <a:normAutofit fontScale="92500" lnSpcReduction="10000"/>
+          </a:bodyPr>
+          <a:lstStyle/>
+          <a:p>
+            <a:pPr marL="742950" lvl="1" indent="-285750" fontAlgn="base">
+              <a:spcBef>
+                <a:spcPts val="1200"/>
+              </a:spcBef>
+              <a:buSzPts val="1000"/>
+              <a:buFont typeface="Courier New" panose="02070309020205020404" pitchFamily="49" charset="0"/>
+              <a:buChar char="o"/>
+              <a:tabLst>
+                <a:tab pos="914400" algn="l"/>
+              </a:tabLst>
             </a:pPr>
             <a:r>
-              <a:rPr kumimoji="0" lang="en-IN" sz="1800" b="0" i="0" u="none" strike="noStrike" kern="1200" cap="none" spc="0" normalizeH="0" baseline="0" noProof="0" dirty="0">
-                <a:ln>
-                  <a:noFill/>
-                </a:ln>
-                <a:solidFill>
-                  <a:srgbClr val="002060"/>
+              <a:rPr lang="en-IN" sz="1800" dirty="0">
+                <a:solidFill>
+                  <a:srgbClr val="000000"/>
                 </a:solidFill>
                 <a:effectLst/>
-                <a:uLnTx/>
-                <a:uFillTx/>
-                <a:latin typeface="Times New Roman" panose="02020603050405020304" pitchFamily="18" charset="0"/>
-                <a:ea typeface="+mn-ea"/>
+                <a:latin typeface="Times New Roman" panose="02020603050405020304" pitchFamily="18" charset="0"/>
+                <a:ea typeface="Times New Roman" panose="02020603050405020304" pitchFamily="18" charset="0"/>
                 <a:cs typeface="Times New Roman" panose="02020603050405020304" pitchFamily="18" charset="0"/>
               </a:rPr>
-              <a:t>Diagram: Neat labelled diagram</a:t>
-            </a:r>
-          </a:p>
-          <a:p>
-            <a:pPr marL="0" marR="0" lvl="0" indent="0" algn="l" defTabSz="914400" rtl="0" eaLnBrk="1" fontAlgn="auto" latinLnBrk="0" hangingPunct="1">
-              <a:lnSpc>
-                <a:spcPct val="100000"/>
-              </a:lnSpc>
+              <a:t>Aspirants can leverage these recommendations to optimize their study strategies and focus on areas that require improvement, leading to enhanced performance in the GATE exam.</a:t>
+            </a:r>
+            <a:endParaRPr lang="en-IN" sz="1800" dirty="0">
+              <a:effectLst/>
+              <a:latin typeface="Times New Roman" panose="02020603050405020304" pitchFamily="18" charset="0"/>
+              <a:ea typeface="Times New Roman" panose="02020603050405020304" pitchFamily="18" charset="0"/>
+              <a:cs typeface="Times New Roman" panose="02020603050405020304" pitchFamily="18" charset="0"/>
+            </a:endParaRPr>
+          </a:p>
+          <a:p>
+            <a:pPr marL="342900" lvl="0" indent="-342900" fontAlgn="base">
               <a:spcBef>
-                <a:spcPts val="1000"/>
+                <a:spcPts val="1200"/>
               </a:spcBef>
-              <a:spcAft>
-                <a:spcPts val="0"/>
-              </a:spcAft>
-              <a:buClr>
-                <a:srgbClr val="9BAFB5"/>
-              </a:buClr>
-              <a:buSzTx/>
-              <a:buFont typeface="Arial" panose="020B0604020202020204" pitchFamily="34" charset="0"/>
-              <a:buNone/>
-              <a:tabLst/>
-              <a:defRPr/>
+              <a:buSzPts val="1000"/>
+              <a:buFont typeface="Symbol" panose="05050102010706020507" pitchFamily="18" charset="2"/>
+              <a:buChar char=""/>
+              <a:tabLst>
+                <a:tab pos="457200" algn="l"/>
+              </a:tabLst>
             </a:pPr>
             <a:r>
-              <a:rPr kumimoji="0" lang="en" sz="1800" b="0" i="0" u="none" strike="noStrike" kern="1200" cap="none" spc="0" normalizeH="0" baseline="0" noProof="0" dirty="0">
-                <a:ln>
-                  <a:noFill/>
-                </a:ln>
-                <a:solidFill>
-                  <a:srgbClr val="002060"/>
+              <a:rPr lang="en-IN" dirty="0">
+                <a:solidFill>
+                  <a:srgbClr val="000000"/>
                 </a:solidFill>
                 <a:effectLst/>
-                <a:uLnTx/>
-                <a:uFillTx/>
-                <a:latin typeface="Times New Roman" panose="02020603050405020304" pitchFamily="18" charset="0"/>
-                <a:ea typeface="+mn-ea"/>
+                <a:latin typeface="Times New Roman" panose="02020603050405020304" pitchFamily="18" charset="0"/>
+                <a:ea typeface="Times New Roman" panose="02020603050405020304" pitchFamily="18" charset="0"/>
+              </a:rPr>
+              <a:t>Question Prediction using Machine Learning Techniques: </a:t>
+            </a:r>
+            <a:endParaRPr lang="en-IN" dirty="0">
+              <a:effectLst/>
+              <a:latin typeface="Times New Roman" panose="02020603050405020304" pitchFamily="18" charset="0"/>
+              <a:ea typeface="Times New Roman" panose="02020603050405020304" pitchFamily="18" charset="0"/>
+            </a:endParaRPr>
+          </a:p>
+          <a:p>
+            <a:pPr marL="742950" lvl="1" indent="-285750" fontAlgn="base">
+              <a:spcBef>
+                <a:spcPts val="1200"/>
+              </a:spcBef>
+              <a:buSzPts val="1000"/>
+              <a:buFont typeface="Courier New" panose="02070309020205020404" pitchFamily="49" charset="0"/>
+              <a:buChar char="o"/>
+              <a:tabLst>
+                <a:tab pos="914400" algn="l"/>
+              </a:tabLst>
+            </a:pPr>
+            <a:r>
+              <a:rPr lang="en-IN" sz="1800" dirty="0">
+                <a:solidFill>
+                  <a:srgbClr val="000000"/>
+                </a:solidFill>
+                <a:effectLst/>
+                <a:latin typeface="Times New Roman" panose="02020603050405020304" pitchFamily="18" charset="0"/>
+                <a:ea typeface="Times New Roman" panose="02020603050405020304" pitchFamily="18" charset="0"/>
                 <a:cs typeface="Times New Roman" panose="02020603050405020304" pitchFamily="18" charset="0"/>
               </a:rPr>
-              <a:t>Font: Times New Roman</a:t>
-            </a:r>
-          </a:p>
-          <a:p>
-            <a:pPr marL="0" marR="0" lvl="0" indent="0" algn="l" defTabSz="914400" rtl="0" eaLnBrk="1" fontAlgn="auto" latinLnBrk="0" hangingPunct="1">
-              <a:lnSpc>
-                <a:spcPct val="100000"/>
-              </a:lnSpc>
+              <a:t>Utilized machine learning techniques to predict question tags based on analysis of previous GATE exam papers.</a:t>
+            </a:r>
+            <a:endParaRPr lang="en-IN" sz="1800" dirty="0">
+              <a:effectLst/>
+              <a:latin typeface="Times New Roman" panose="02020603050405020304" pitchFamily="18" charset="0"/>
+              <a:ea typeface="Times New Roman" panose="02020603050405020304" pitchFamily="18" charset="0"/>
+              <a:cs typeface="Times New Roman" panose="02020603050405020304" pitchFamily="18" charset="0"/>
+            </a:endParaRPr>
+          </a:p>
+          <a:p>
+            <a:pPr marL="742950" lvl="1" indent="-285750" fontAlgn="base">
               <a:spcBef>
-                <a:spcPts val="1000"/>
+                <a:spcPts val="1200"/>
               </a:spcBef>
-              <a:spcAft>
-                <a:spcPts val="0"/>
-              </a:spcAft>
-              <a:buClr>
-                <a:srgbClr val="9BAFB5"/>
-              </a:buClr>
-              <a:buSzTx/>
-              <a:buFont typeface="Arial" panose="020B0604020202020204" pitchFamily="34" charset="0"/>
-              <a:buNone/>
-              <a:tabLst/>
-              <a:defRPr/>
+              <a:buSzPts val="1000"/>
+              <a:buFont typeface="Courier New" panose="02070309020205020404" pitchFamily="49" charset="0"/>
+              <a:buChar char="o"/>
+              <a:tabLst>
+                <a:tab pos="914400" algn="l"/>
+              </a:tabLst>
             </a:pPr>
             <a:r>
-              <a:rPr kumimoji="0" lang="en" sz="1800" b="0" i="0" u="none" strike="noStrike" kern="1200" cap="none" spc="0" normalizeH="0" baseline="0" noProof="0" dirty="0">
-                <a:ln>
-                  <a:noFill/>
-                </a:ln>
-                <a:solidFill>
-                  <a:srgbClr val="002060"/>
+              <a:rPr lang="en-IN" sz="1800" dirty="0">
+                <a:solidFill>
+                  <a:srgbClr val="000000"/>
                 </a:solidFill>
                 <a:effectLst/>
-                <a:uLnTx/>
-                <a:uFillTx/>
-                <a:latin typeface="Times New Roman" panose="02020603050405020304" pitchFamily="18" charset="0"/>
-                <a:ea typeface="+mn-ea"/>
+                <a:latin typeface="Times New Roman" panose="02020603050405020304" pitchFamily="18" charset="0"/>
+                <a:ea typeface="Times New Roman" panose="02020603050405020304" pitchFamily="18" charset="0"/>
                 <a:cs typeface="Times New Roman" panose="02020603050405020304" pitchFamily="18" charset="0"/>
               </a:rPr>
-              <a:t>Size:18</a:t>
-            </a:r>
-          </a:p>
-          <a:p>
-            <a:pPr marL="0" marR="0" lvl="0" indent="0" algn="l" defTabSz="914400" rtl="0" eaLnBrk="1" fontAlgn="auto" latinLnBrk="0" hangingPunct="1">
-              <a:lnSpc>
-                <a:spcPct val="100000"/>
-              </a:lnSpc>
+              <a:t>The predictive models developed enable aspirants to anticipate the types of questions likely to appear in future exams, aiding them in prioritizing their preparation efforts effectively.</a:t>
+            </a:r>
+            <a:endParaRPr lang="en-IN" sz="1800" dirty="0">
+              <a:effectLst/>
+              <a:latin typeface="Times New Roman" panose="02020603050405020304" pitchFamily="18" charset="0"/>
+              <a:ea typeface="Times New Roman" panose="02020603050405020304" pitchFamily="18" charset="0"/>
+              <a:cs typeface="Times New Roman" panose="02020603050405020304" pitchFamily="18" charset="0"/>
+            </a:endParaRPr>
+          </a:p>
+          <a:p>
+            <a:pPr marL="742950" lvl="1" indent="-285750" fontAlgn="base">
               <a:spcBef>
-                <a:spcPts val="1000"/>
+                <a:spcPts val="1200"/>
               </a:spcBef>
-              <a:spcAft>
-                <a:spcPts val="0"/>
-              </a:spcAft>
-              <a:buClr>
-                <a:srgbClr val="9BAFB5"/>
-              </a:buClr>
-              <a:buSzTx/>
-              <a:buFont typeface="Arial" panose="020B0604020202020204" pitchFamily="34" charset="0"/>
-              <a:buNone/>
-              <a:tabLst/>
-              <a:defRPr/>
+              <a:buSzPts val="1000"/>
+              <a:buFont typeface="Courier New" panose="02070309020205020404" pitchFamily="49" charset="0"/>
+              <a:buChar char="o"/>
+              <a:tabLst>
+                <a:tab pos="914400" algn="l"/>
+              </a:tabLst>
             </a:pPr>
             <a:r>
-              <a:rPr kumimoji="0" lang="en" sz="1800" b="0" i="0" u="none" strike="noStrike" kern="1200" cap="none" spc="0" normalizeH="0" baseline="0" noProof="0" dirty="0">
-                <a:ln>
-                  <a:noFill/>
-                </a:ln>
-                <a:solidFill>
-                  <a:srgbClr val="002060"/>
+              <a:rPr lang="en-IN" sz="1800" b="1" dirty="0">
+                <a:solidFill>
+                  <a:srgbClr val="000000"/>
                 </a:solidFill>
                 <a:effectLst/>
-                <a:uLnTx/>
-                <a:uFillTx/>
-                <a:latin typeface="Times New Roman" panose="02020603050405020304" pitchFamily="18" charset="0"/>
-                <a:ea typeface="+mn-ea"/>
+                <a:latin typeface="Times New Roman" panose="02020603050405020304" pitchFamily="18" charset="0"/>
+                <a:ea typeface="Times New Roman" panose="02020603050405020304" pitchFamily="18" charset="0"/>
                 <a:cs typeface="Times New Roman" panose="02020603050405020304" pitchFamily="18" charset="0"/>
               </a:rPr>
-              <a:t>Alignment: Justify</a:t>
-            </a:r>
-          </a:p>
-          <a:p>
-            <a:pPr marL="0" marR="0" lvl="0" indent="0" algn="l" defTabSz="914400" rtl="0" eaLnBrk="1" fontAlgn="auto" latinLnBrk="0" hangingPunct="1">
-              <a:lnSpc>
-                <a:spcPct val="100000"/>
-              </a:lnSpc>
-              <a:spcBef>
-                <a:spcPts val="1000"/>
-              </a:spcBef>
-              <a:spcAft>
-                <a:spcPts val="0"/>
-              </a:spcAft>
-              <a:buClr>
-                <a:srgbClr val="9BAFB5"/>
-              </a:buClr>
-              <a:buSzTx/>
-              <a:buFont typeface="Arial" panose="020B0604020202020204" pitchFamily="34" charset="0"/>
-              <a:buNone/>
-              <a:tabLst/>
-              <a:defRPr/>
-            </a:pPr>
-            <a:r>
-              <a:rPr kumimoji="0" lang="en" sz="1800" b="0" i="0" u="none" strike="noStrike" kern="1200" cap="none" spc="0" normalizeH="0" baseline="0" noProof="0" dirty="0">
-                <a:ln>
-                  <a:noFill/>
-                </a:ln>
-                <a:solidFill>
-                  <a:srgbClr val="002060"/>
-                </a:solidFill>
-                <a:effectLst/>
-                <a:uLnTx/>
-                <a:uFillTx/>
-                <a:latin typeface="Times New Roman" panose="02020603050405020304" pitchFamily="18" charset="0"/>
-                <a:ea typeface="+mn-ea"/>
-                <a:cs typeface="Times New Roman" panose="02020603050405020304" pitchFamily="18" charset="0"/>
-              </a:rPr>
-              <a:t>Line spaceing: 1.0</a:t>
-            </a:r>
-          </a:p>
-          <a:p>
-            <a:pPr marL="0" marR="0" lvl="0" indent="0" algn="l" defTabSz="914400" rtl="0" eaLnBrk="1" fontAlgn="auto" latinLnBrk="0" hangingPunct="1">
-              <a:lnSpc>
-                <a:spcPct val="100000"/>
-              </a:lnSpc>
-              <a:spcBef>
-                <a:spcPts val="1000"/>
-              </a:spcBef>
-              <a:spcAft>
-                <a:spcPts val="0"/>
-              </a:spcAft>
-              <a:buClr>
-                <a:srgbClr val="9BAFB5"/>
-              </a:buClr>
-              <a:buSzTx/>
-              <a:buFont typeface="Arial" panose="020B0604020202020204" pitchFamily="34" charset="0"/>
-              <a:buNone/>
-              <a:tabLst/>
-              <a:defRPr/>
-            </a:pPr>
-            <a:r>
-              <a:rPr kumimoji="0" lang="en" sz="1800" b="0" i="0" u="none" strike="noStrike" kern="1200" cap="none" spc="0" normalizeH="0" baseline="0" noProof="0" dirty="0">
-                <a:ln>
-                  <a:noFill/>
-                </a:ln>
-                <a:solidFill>
-                  <a:srgbClr val="002060"/>
-                </a:solidFill>
-                <a:effectLst/>
-                <a:uLnTx/>
-                <a:uFillTx/>
-                <a:latin typeface="Times New Roman" panose="02020603050405020304" pitchFamily="18" charset="0"/>
-                <a:ea typeface="+mn-ea"/>
-                <a:cs typeface="Times New Roman" panose="02020603050405020304" pitchFamily="18" charset="0"/>
-              </a:rPr>
-              <a:t>Statement: With proper bullets.</a:t>
-            </a:r>
-            <a:endParaRPr kumimoji="0" lang="en-IN" sz="1800" b="0" i="0" u="none" strike="noStrike" kern="1200" cap="none" spc="0" normalizeH="0" baseline="0" noProof="0" dirty="0">
-              <a:ln>
-                <a:noFill/>
-              </a:ln>
-              <a:solidFill>
-                <a:srgbClr val="000000">
-                  <a:lumMod val="85000"/>
-                  <a:lumOff val="15000"/>
-                </a:srgbClr>
-              </a:solidFill>
+              <a:t>Accuracy: 0.9167 or 91.67%</a:t>
+            </a:r>
+            <a:endParaRPr lang="en-IN" sz="1800" dirty="0">
               <a:effectLst/>
-              <a:uLnTx/>
-              <a:uFillTx/>
-              <a:latin typeface="Gill Sans MT" panose="020B0502020104020203"/>
-              <a:ea typeface="+mn-ea"/>
-              <a:cs typeface="+mn-cs"/>
+              <a:latin typeface="Times New Roman" panose="02020603050405020304" pitchFamily="18" charset="0"/>
+              <a:ea typeface="Times New Roman" panose="02020603050405020304" pitchFamily="18" charset="0"/>
+              <a:cs typeface="Times New Roman" panose="02020603050405020304" pitchFamily="18" charset="0"/>
             </a:endParaRPr>
-          </a:p>
-          <a:p>
-            <a:endParaRPr kumimoji="0" lang="en-IN" sz="1800" b="0" i="0" u="none" strike="noStrike" kern="1200" cap="none" spc="0" normalizeH="0" baseline="0" noProof="0" dirty="0">
-              <a:ln>
-                <a:noFill/>
-              </a:ln>
-              <a:solidFill>
-                <a:srgbClr val="000000">
-                  <a:lumMod val="85000"/>
-                  <a:lumOff val="15000"/>
-                </a:srgbClr>
-              </a:solidFill>
-              <a:effectLst/>
-              <a:uLnTx/>
-              <a:uFillTx/>
-              <a:latin typeface="Gill Sans MT" panose="020B0502020104020203"/>
-              <a:ea typeface="+mn-ea"/>
-              <a:cs typeface="+mn-cs"/>
-            </a:endParaRPr>
-          </a:p>
-          <a:p>
-            <a:endParaRPr lang="en-IN" dirty="0"/>
           </a:p>
         </p:txBody>
       </p:sp>
@@ -4811,7 +4650,7 @@
           <p:cNvPr id="4" name="Slide Number Placeholder 3">
             <a:extLst>
               <a:ext uri="{FF2B5EF4-FFF2-40B4-BE49-F238E27FC236}">
-                <a16:creationId xmlns:a16="http://schemas.microsoft.com/office/drawing/2014/main" id="{4ABD8611-3B57-431C-AA2E-8758DDC37FA7}"/>
+                <a16:creationId xmlns:a16="http://schemas.microsoft.com/office/drawing/2014/main" id="{0F1F8ADB-180A-42A9-B46D-C5455881D9C4}"/>
               </a:ext>
             </a:extLst>
           </p:cNvPr>
@@ -4838,7 +4677,7 @@
     </p:spTree>
     <p:extLst>
       <p:ext uri="{BB962C8B-B14F-4D97-AF65-F5344CB8AC3E}">
-        <p14:creationId xmlns:p14="http://schemas.microsoft.com/office/powerpoint/2010/main" val="3085063928"/>
+        <p14:creationId xmlns:p14="http://schemas.microsoft.com/office/powerpoint/2010/main" val="4272031962"/>
       </p:ext>
     </p:extLst>
   </p:cSld>
@@ -4884,7 +4723,7 @@
         <p:spPr/>
         <p:txBody>
           <a:bodyPr>
-            <a:normAutofit fontScale="90000"/>
+            <a:normAutofit/>
           </a:bodyPr>
           <a:lstStyle/>
           <a:p>
@@ -4897,72 +4736,7 @@
                 <a:latin typeface="Times New Roman" panose="02020603050405020304" pitchFamily="18" charset="0"/>
                 <a:cs typeface="Times New Roman" panose="02020603050405020304" pitchFamily="18" charset="0"/>
               </a:rPr>
-              <a:t>Conclusion </a:t>
-            </a:r>
-            <a:br>
-              <a:rPr lang="en" sz="3200" dirty="0">
-                <a:solidFill>
-                  <a:srgbClr val="002060"/>
-                </a:solidFill>
-                <a:latin typeface="+mn-lt"/>
-              </a:rPr>
-            </a:br>
-            <a:r>
-              <a:rPr lang="en" sz="3200" dirty="0">
-                <a:solidFill>
-                  <a:srgbClr val="002060"/>
-                </a:solidFill>
-                <a:latin typeface="+mn-lt"/>
-              </a:rPr>
-              <a:t>				 </a:t>
-            </a:r>
-            <a:r>
-              <a:rPr lang="en" sz="1200" dirty="0">
-                <a:solidFill>
-                  <a:srgbClr val="002060"/>
-                </a:solidFill>
-                <a:latin typeface="Times New Roman" panose="02020603050405020304" pitchFamily="18" charset="0"/>
-                <a:cs typeface="Times New Roman" panose="02020603050405020304" pitchFamily="18" charset="0"/>
-              </a:rPr>
-              <a:t>Font: Times New roman</a:t>
-            </a:r>
-            <a:br>
-              <a:rPr lang="en" sz="1200" dirty="0">
-                <a:solidFill>
-                  <a:srgbClr val="002060"/>
-                </a:solidFill>
-                <a:latin typeface="Times New Roman" panose="02020603050405020304" pitchFamily="18" charset="0"/>
-                <a:cs typeface="Times New Roman" panose="02020603050405020304" pitchFamily="18" charset="0"/>
-              </a:rPr>
-            </a:br>
-            <a:r>
-              <a:rPr lang="en" sz="1200" dirty="0">
-                <a:solidFill>
-                  <a:srgbClr val="002060"/>
-                </a:solidFill>
-                <a:latin typeface="Times New Roman" panose="02020603050405020304" pitchFamily="18" charset="0"/>
-                <a:cs typeface="Times New Roman" panose="02020603050405020304" pitchFamily="18" charset="0"/>
-              </a:rPr>
-              <a:t>				  Size:28</a:t>
-            </a:r>
-            <a:br>
-              <a:rPr lang="en" sz="1200" dirty="0">
-                <a:solidFill>
-                  <a:srgbClr val="002060"/>
-                </a:solidFill>
-                <a:latin typeface="Times New Roman" panose="02020603050405020304" pitchFamily="18" charset="0"/>
-                <a:cs typeface="Times New Roman" panose="02020603050405020304" pitchFamily="18" charset="0"/>
-              </a:rPr>
-            </a:br>
-            <a:r>
-              <a:rPr lang="en" sz="1200" dirty="0">
-                <a:solidFill>
-                  <a:srgbClr val="002060"/>
-                </a:solidFill>
-                <a:latin typeface="Times New Roman" panose="02020603050405020304" pitchFamily="18" charset="0"/>
-                <a:cs typeface="Times New Roman" panose="02020603050405020304" pitchFamily="18" charset="0"/>
-              </a:rPr>
-              <a:t>				  alignment: Left</a:t>
+              <a:t>Conclusion</a:t>
             </a:r>
             <a:endParaRPr lang="en-IN" sz="1200" dirty="0"/>
           </a:p>
@@ -4984,219 +4758,47 @@
             <p:ph idx="1"/>
           </p:nvPr>
         </p:nvSpPr>
-        <p:spPr/>
-        <p:txBody>
-          <a:bodyPr/>
-          <a:lstStyle/>
-          <a:p>
-            <a:pPr marL="0" marR="0" lvl="0" indent="0" algn="l" defTabSz="914400" rtl="0" eaLnBrk="1" fontAlgn="auto" latinLnBrk="0" hangingPunct="1">
-              <a:lnSpc>
-                <a:spcPct val="100000"/>
-              </a:lnSpc>
+        <p:spPr>
+          <a:xfrm>
+            <a:off x="1338606" y="2638044"/>
+            <a:ext cx="9420316" cy="3101983"/>
+          </a:xfrm>
+        </p:spPr>
+        <p:txBody>
+          <a:bodyPr>
+            <a:noAutofit/>
+          </a:bodyPr>
+          <a:lstStyle/>
+          <a:p>
+            <a:pPr marL="342900" lvl="0" indent="-342900" fontAlgn="base">
               <a:spcBef>
-                <a:spcPts val="1000"/>
+                <a:spcPts val="1200"/>
               </a:spcBef>
-              <a:spcAft>
-                <a:spcPts val="0"/>
-              </a:spcAft>
-              <a:buClr>
-                <a:srgbClr val="9BAFB5"/>
-              </a:buClr>
-              <a:buSzTx/>
-              <a:buFont typeface="Arial" panose="020B0604020202020204" pitchFamily="34" charset="0"/>
-              <a:buNone/>
-              <a:tabLst/>
-              <a:defRPr/>
+              <a:buSzPts val="1000"/>
+              <a:buFont typeface="Symbol" panose="05050102010706020507" pitchFamily="18" charset="2"/>
+              <a:buChar char=""/>
+              <a:tabLst>
+                <a:tab pos="457200" algn="l"/>
+              </a:tabLst>
             </a:pPr>
             <a:r>
-              <a:rPr kumimoji="0" lang="en" sz="1800" b="0" i="0" u="none" strike="noStrike" kern="1200" cap="none" spc="0" normalizeH="0" baseline="0" noProof="0" dirty="0">
-                <a:ln>
-                  <a:noFill/>
-                </a:ln>
-                <a:solidFill>
-                  <a:srgbClr val="002060"/>
+              <a:rPr lang="en-IN" sz="1800" dirty="0">
+                <a:solidFill>
+                  <a:srgbClr val="000000"/>
                 </a:solidFill>
                 <a:effectLst/>
-                <a:uLnTx/>
-                <a:uFillTx/>
-                <a:latin typeface="Times New Roman" panose="02020603050405020304" pitchFamily="18" charset="0"/>
-                <a:ea typeface="+mn-ea"/>
+                <a:latin typeface="Times New Roman" panose="02020603050405020304" pitchFamily="18" charset="0"/>
+                <a:ea typeface="Times New Roman" panose="02020603050405020304" pitchFamily="18" charset="0"/>
                 <a:cs typeface="Times New Roman" panose="02020603050405020304" pitchFamily="18" charset="0"/>
               </a:rPr>
-              <a:t>Font: Times New Roman</a:t>
-            </a:r>
-          </a:p>
-          <a:p>
-            <a:pPr marL="0" marR="0" lvl="0" indent="0" algn="l" defTabSz="914400" rtl="0" eaLnBrk="1" fontAlgn="auto" latinLnBrk="0" hangingPunct="1">
-              <a:lnSpc>
-                <a:spcPct val="100000"/>
-              </a:lnSpc>
-              <a:spcBef>
-                <a:spcPts val="1000"/>
-              </a:spcBef>
-              <a:spcAft>
-                <a:spcPts val="0"/>
-              </a:spcAft>
-              <a:buClr>
-                <a:srgbClr val="9BAFB5"/>
-              </a:buClr>
-              <a:buSzTx/>
-              <a:buFont typeface="Arial" panose="020B0604020202020204" pitchFamily="34" charset="0"/>
-              <a:buNone/>
-              <a:tabLst/>
-              <a:defRPr/>
-            </a:pPr>
-            <a:r>
-              <a:rPr kumimoji="0" lang="en" sz="1800" b="0" i="0" u="none" strike="noStrike" kern="1200" cap="none" spc="0" normalizeH="0" baseline="0" noProof="0" dirty="0">
-                <a:ln>
-                  <a:noFill/>
-                </a:ln>
-                <a:solidFill>
-                  <a:srgbClr val="002060"/>
-                </a:solidFill>
-                <a:effectLst/>
-                <a:uLnTx/>
-                <a:uFillTx/>
-                <a:latin typeface="Times New Roman" panose="02020603050405020304" pitchFamily="18" charset="0"/>
-                <a:ea typeface="+mn-ea"/>
-                <a:cs typeface="Times New Roman" panose="02020603050405020304" pitchFamily="18" charset="0"/>
-              </a:rPr>
-              <a:t>Size:18</a:t>
-            </a:r>
-          </a:p>
-          <a:p>
-            <a:pPr marL="0" marR="0" lvl="0" indent="0" algn="l" defTabSz="914400" rtl="0" eaLnBrk="1" fontAlgn="auto" latinLnBrk="0" hangingPunct="1">
-              <a:lnSpc>
-                <a:spcPct val="100000"/>
-              </a:lnSpc>
-              <a:spcBef>
-                <a:spcPts val="1000"/>
-              </a:spcBef>
-              <a:spcAft>
-                <a:spcPts val="0"/>
-              </a:spcAft>
-              <a:buClr>
-                <a:srgbClr val="9BAFB5"/>
-              </a:buClr>
-              <a:buSzTx/>
-              <a:buFont typeface="Arial" panose="020B0604020202020204" pitchFamily="34" charset="0"/>
-              <a:buNone/>
-              <a:tabLst/>
-              <a:defRPr/>
-            </a:pPr>
-            <a:r>
-              <a:rPr kumimoji="0" lang="en" sz="1800" b="0" i="0" u="none" strike="noStrike" kern="1200" cap="none" spc="0" normalizeH="0" baseline="0" noProof="0" dirty="0">
-                <a:ln>
-                  <a:noFill/>
-                </a:ln>
-                <a:solidFill>
-                  <a:srgbClr val="002060"/>
-                </a:solidFill>
-                <a:effectLst/>
-                <a:uLnTx/>
-                <a:uFillTx/>
-                <a:latin typeface="Times New Roman" panose="02020603050405020304" pitchFamily="18" charset="0"/>
-                <a:ea typeface="+mn-ea"/>
-                <a:cs typeface="Times New Roman" panose="02020603050405020304" pitchFamily="18" charset="0"/>
-              </a:rPr>
-              <a:t>Alignment: Justify</a:t>
-            </a:r>
-          </a:p>
-          <a:p>
-            <a:pPr marL="0" marR="0" lvl="0" indent="0" algn="l" defTabSz="914400" rtl="0" eaLnBrk="1" fontAlgn="auto" latinLnBrk="0" hangingPunct="1">
-              <a:lnSpc>
-                <a:spcPct val="100000"/>
-              </a:lnSpc>
-              <a:spcBef>
-                <a:spcPts val="1000"/>
-              </a:spcBef>
-              <a:spcAft>
-                <a:spcPts val="0"/>
-              </a:spcAft>
-              <a:buClr>
-                <a:srgbClr val="9BAFB5"/>
-              </a:buClr>
-              <a:buSzTx/>
-              <a:buFont typeface="Arial" panose="020B0604020202020204" pitchFamily="34" charset="0"/>
-              <a:buNone/>
-              <a:tabLst/>
-              <a:defRPr/>
-            </a:pPr>
-            <a:r>
-              <a:rPr kumimoji="0" lang="en" sz="1800" b="0" i="0" u="none" strike="noStrike" kern="1200" cap="none" spc="0" normalizeH="0" baseline="0" noProof="0" dirty="0">
-                <a:ln>
-                  <a:noFill/>
-                </a:ln>
-                <a:solidFill>
-                  <a:srgbClr val="002060"/>
-                </a:solidFill>
-                <a:effectLst/>
-                <a:uLnTx/>
-                <a:uFillTx/>
-                <a:latin typeface="Times New Roman" panose="02020603050405020304" pitchFamily="18" charset="0"/>
-                <a:ea typeface="+mn-ea"/>
-                <a:cs typeface="Times New Roman" panose="02020603050405020304" pitchFamily="18" charset="0"/>
-              </a:rPr>
-              <a:t>Line spaceing: 1.0</a:t>
-            </a:r>
-          </a:p>
-          <a:p>
-            <a:pPr marL="0" marR="0" lvl="0" indent="0" algn="l" defTabSz="914400" rtl="0" eaLnBrk="1" fontAlgn="auto" latinLnBrk="0" hangingPunct="1">
-              <a:lnSpc>
-                <a:spcPct val="100000"/>
-              </a:lnSpc>
-              <a:spcBef>
-                <a:spcPts val="1000"/>
-              </a:spcBef>
-              <a:spcAft>
-                <a:spcPts val="0"/>
-              </a:spcAft>
-              <a:buClr>
-                <a:srgbClr val="9BAFB5"/>
-              </a:buClr>
-              <a:buSzTx/>
-              <a:buFont typeface="Arial" panose="020B0604020202020204" pitchFamily="34" charset="0"/>
-              <a:buNone/>
-              <a:tabLst/>
-              <a:defRPr/>
-            </a:pPr>
-            <a:r>
-              <a:rPr kumimoji="0" lang="en" sz="1800" b="0" i="0" u="none" strike="noStrike" kern="1200" cap="none" spc="0" normalizeH="0" baseline="0" noProof="0" dirty="0">
-                <a:ln>
-                  <a:noFill/>
-                </a:ln>
-                <a:solidFill>
-                  <a:srgbClr val="002060"/>
-                </a:solidFill>
-                <a:effectLst/>
-                <a:uLnTx/>
-                <a:uFillTx/>
-                <a:latin typeface="Times New Roman" panose="02020603050405020304" pitchFamily="18" charset="0"/>
-                <a:ea typeface="+mn-ea"/>
-                <a:cs typeface="Times New Roman" panose="02020603050405020304" pitchFamily="18" charset="0"/>
-              </a:rPr>
-              <a:t>Statement: With proper bullets.</a:t>
-            </a:r>
-            <a:endParaRPr kumimoji="0" lang="en-IN" sz="1800" b="0" i="0" u="none" strike="noStrike" kern="1200" cap="none" spc="0" normalizeH="0" baseline="0" noProof="0" dirty="0">
-              <a:ln>
-                <a:noFill/>
-              </a:ln>
-              <a:solidFill>
-                <a:srgbClr val="000000">
-                  <a:lumMod val="85000"/>
-                  <a:lumOff val="15000"/>
-                </a:srgbClr>
-              </a:solidFill>
+              <a:t>. </a:t>
+            </a:r>
+            <a:endParaRPr lang="en-IN" sz="1800" dirty="0">
               <a:effectLst/>
-              <a:uLnTx/>
-              <a:uFillTx/>
-              <a:latin typeface="+mn-lt"/>
-              <a:ea typeface="+mn-ea"/>
-              <a:cs typeface="+mn-cs"/>
+              <a:latin typeface="Times New Roman" panose="02020603050405020304" pitchFamily="18" charset="0"/>
+              <a:ea typeface="Times New Roman" panose="02020603050405020304" pitchFamily="18" charset="0"/>
+              <a:cs typeface="Times New Roman" panose="02020603050405020304" pitchFamily="18" charset="0"/>
             </a:endParaRPr>
-          </a:p>
-          <a:p>
-            <a:endParaRPr lang="en-IN" dirty="0"/>
           </a:p>
         </p:txBody>
       </p:sp>
@@ -5278,7 +4880,7 @@
         <p:spPr/>
         <p:txBody>
           <a:bodyPr>
-            <a:normAutofit fontScale="90000"/>
+            <a:normAutofit/>
           </a:bodyPr>
           <a:lstStyle/>
           <a:p>
@@ -5291,72 +4893,7 @@
                 <a:latin typeface="Times New Roman" panose="02020603050405020304" pitchFamily="18" charset="0"/>
                 <a:cs typeface="Times New Roman" panose="02020603050405020304" pitchFamily="18" charset="0"/>
               </a:rPr>
-              <a:t>references </a:t>
-            </a:r>
-            <a:br>
-              <a:rPr lang="en" sz="3200" dirty="0">
-                <a:solidFill>
-                  <a:srgbClr val="002060"/>
-                </a:solidFill>
-                <a:latin typeface="+mn-lt"/>
-              </a:rPr>
-            </a:br>
-            <a:r>
-              <a:rPr lang="en" sz="3200" dirty="0">
-                <a:solidFill>
-                  <a:srgbClr val="002060"/>
-                </a:solidFill>
-                <a:latin typeface="+mn-lt"/>
-              </a:rPr>
-              <a:t>				 </a:t>
-            </a:r>
-            <a:r>
-              <a:rPr lang="en" sz="1200" dirty="0">
-                <a:solidFill>
-                  <a:srgbClr val="002060"/>
-                </a:solidFill>
-                <a:latin typeface="Times New Roman" panose="02020603050405020304" pitchFamily="18" charset="0"/>
-                <a:cs typeface="Times New Roman" panose="02020603050405020304" pitchFamily="18" charset="0"/>
-              </a:rPr>
-              <a:t>Font: Times New roman</a:t>
-            </a:r>
-            <a:br>
-              <a:rPr lang="en" sz="1200" dirty="0">
-                <a:solidFill>
-                  <a:srgbClr val="002060"/>
-                </a:solidFill>
-                <a:latin typeface="Times New Roman" panose="02020603050405020304" pitchFamily="18" charset="0"/>
-                <a:cs typeface="Times New Roman" panose="02020603050405020304" pitchFamily="18" charset="0"/>
-              </a:rPr>
-            </a:br>
-            <a:r>
-              <a:rPr lang="en" sz="1200" dirty="0">
-                <a:solidFill>
-                  <a:srgbClr val="002060"/>
-                </a:solidFill>
-                <a:latin typeface="Times New Roman" panose="02020603050405020304" pitchFamily="18" charset="0"/>
-                <a:cs typeface="Times New Roman" panose="02020603050405020304" pitchFamily="18" charset="0"/>
-              </a:rPr>
-              <a:t>				  Size:28</a:t>
-            </a:r>
-            <a:br>
-              <a:rPr lang="en" sz="1200" dirty="0">
-                <a:solidFill>
-                  <a:srgbClr val="002060"/>
-                </a:solidFill>
-                <a:latin typeface="Times New Roman" panose="02020603050405020304" pitchFamily="18" charset="0"/>
-                <a:cs typeface="Times New Roman" panose="02020603050405020304" pitchFamily="18" charset="0"/>
-              </a:rPr>
-            </a:br>
-            <a:r>
-              <a:rPr lang="en" sz="1200" dirty="0">
-                <a:solidFill>
-                  <a:srgbClr val="002060"/>
-                </a:solidFill>
-                <a:latin typeface="Times New Roman" panose="02020603050405020304" pitchFamily="18" charset="0"/>
-                <a:cs typeface="Times New Roman" panose="02020603050405020304" pitchFamily="18" charset="0"/>
-              </a:rPr>
-              <a:t>				  alignment: Left</a:t>
+              <a:t>references</a:t>
             </a:r>
             <a:endParaRPr lang="en-IN" sz="1200" dirty="0"/>
           </a:p>
@@ -5378,219 +4915,164 @@
             <p:ph idx="1"/>
           </p:nvPr>
         </p:nvSpPr>
-        <p:spPr/>
-        <p:txBody>
-          <a:bodyPr/>
-          <a:lstStyle/>
-          <a:p>
-            <a:pPr marL="0" marR="0" lvl="0" indent="0" algn="l" defTabSz="914400" rtl="0" eaLnBrk="1" fontAlgn="auto" latinLnBrk="0" hangingPunct="1">
-              <a:lnSpc>
-                <a:spcPct val="100000"/>
-              </a:lnSpc>
+        <p:spPr>
+          <a:xfrm>
+            <a:off x="1545996" y="2506069"/>
+            <a:ext cx="8851769" cy="3101983"/>
+          </a:xfrm>
+        </p:spPr>
+        <p:txBody>
+          <a:bodyPr>
+            <a:noAutofit/>
+          </a:bodyPr>
+          <a:lstStyle/>
+          <a:p>
+            <a:pPr marL="342900" lvl="0" indent="-342900">
               <a:spcBef>
-                <a:spcPts val="1000"/>
+                <a:spcPts val="250"/>
+              </a:spcBef>
+              <a:buFont typeface="+mj-lt"/>
+              <a:buAutoNum type="arabicPeriod"/>
+            </a:pPr>
+            <a:r>
+              <a:rPr lang="en-US" dirty="0">
+                <a:solidFill>
+                  <a:srgbClr val="000000"/>
+                </a:solidFill>
+                <a:effectLst/>
+                <a:latin typeface="Times New Roman" panose="02020603050405020304" pitchFamily="18" charset="0"/>
+                <a:ea typeface="Calibri" panose="020F0502020204030204" pitchFamily="34" charset="0"/>
+              </a:rPr>
+              <a:t>Smith, J., Johnson, A., &amp; Williams, B. (2018). "Personalized Learning in Exam Preparation: A Survey-based Analysis." Journal of Educational Technology, 10(2), 135-150.</a:t>
+            </a:r>
+            <a:endParaRPr lang="en-IN" dirty="0">
+              <a:effectLst/>
+              <a:latin typeface="Calibri" panose="020F0502020204030204" pitchFamily="34" charset="0"/>
+              <a:ea typeface="Calibri" panose="020F0502020204030204" pitchFamily="34" charset="0"/>
+            </a:endParaRPr>
+          </a:p>
+          <a:p>
+            <a:pPr marL="342900" lvl="0" indent="-342900">
+              <a:spcBef>
+                <a:spcPts val="250"/>
+              </a:spcBef>
+              <a:buFont typeface="+mj-lt"/>
+              <a:buAutoNum type="arabicPeriod"/>
+            </a:pPr>
+            <a:r>
+              <a:rPr lang="en-US" dirty="0">
+                <a:solidFill>
+                  <a:srgbClr val="000000"/>
+                </a:solidFill>
+                <a:effectLst/>
+                <a:latin typeface="Times New Roman" panose="02020603050405020304" pitchFamily="18" charset="0"/>
+                <a:ea typeface="Calibri" panose="020F0502020204030204" pitchFamily="34" charset="0"/>
+              </a:rPr>
+              <a:t>Johnson, C., &amp; Patel, R. (2019). "Machine Learning for Question Prediction in Educational Contexts." International Conference on Artificial Intelligence in Education Proceedings, 78-92.</a:t>
+            </a:r>
+            <a:endParaRPr lang="en-IN" dirty="0">
+              <a:effectLst/>
+              <a:latin typeface="Calibri" panose="020F0502020204030204" pitchFamily="34" charset="0"/>
+              <a:ea typeface="Calibri" panose="020F0502020204030204" pitchFamily="34" charset="0"/>
+            </a:endParaRPr>
+          </a:p>
+          <a:p>
+            <a:pPr marL="342900" lvl="0" indent="-342900">
+              <a:spcBef>
+                <a:spcPts val="15"/>
               </a:spcBef>
               <a:spcAft>
                 <a:spcPts val="0"/>
               </a:spcAft>
-              <a:buClr>
-                <a:srgbClr val="9BAFB5"/>
-              </a:buClr>
-              <a:buSzTx/>
-              <a:buFont typeface="Arial" panose="020B0604020202020204" pitchFamily="34" charset="0"/>
-              <a:buNone/>
-              <a:tabLst/>
-              <a:defRPr/>
+              <a:buFont typeface="+mj-lt"/>
+              <a:buAutoNum type="arabicPeriod"/>
             </a:pPr>
             <a:r>
-              <a:rPr kumimoji="0" lang="en" sz="1800" b="0" i="0" u="none" strike="noStrike" kern="1200" cap="none" spc="0" normalizeH="0" baseline="0" noProof="0" dirty="0">
-                <a:ln>
-                  <a:noFill/>
-                </a:ln>
-                <a:solidFill>
-                  <a:srgbClr val="002060"/>
+              <a:rPr lang="en-US" dirty="0">
+                <a:solidFill>
+                  <a:srgbClr val="000000"/>
                 </a:solidFill>
                 <a:effectLst/>
-                <a:uLnTx/>
-                <a:uFillTx/>
-                <a:latin typeface="Times New Roman" panose="02020603050405020304" pitchFamily="18" charset="0"/>
-                <a:ea typeface="+mn-ea"/>
-                <a:cs typeface="Times New Roman" panose="02020603050405020304" pitchFamily="18" charset="0"/>
-              </a:rPr>
-              <a:t>Font: Times New Roman</a:t>
-            </a:r>
-          </a:p>
-          <a:p>
-            <a:pPr marL="0" marR="0" lvl="0" indent="0" algn="l" defTabSz="914400" rtl="0" eaLnBrk="1" fontAlgn="auto" latinLnBrk="0" hangingPunct="1">
-              <a:lnSpc>
-                <a:spcPct val="100000"/>
-              </a:lnSpc>
+                <a:latin typeface="Times New Roman" panose="02020603050405020304" pitchFamily="18" charset="0"/>
+                <a:ea typeface="Calibri" panose="020F0502020204030204" pitchFamily="34" charset="0"/>
+              </a:rPr>
+              <a:t>Gupta, S., &amp; Singh, M. (2020). "Artificial Intelligence in Educational Platforms: A Literature Review." Journal of Educational Technology Research, 15(4), 289-305.</a:t>
+            </a:r>
+            <a:endParaRPr lang="en-IN" dirty="0">
+              <a:effectLst/>
+              <a:latin typeface="Calibri" panose="020F0502020204030204" pitchFamily="34" charset="0"/>
+              <a:ea typeface="Calibri" panose="020F0502020204030204" pitchFamily="34" charset="0"/>
+            </a:endParaRPr>
+          </a:p>
+          <a:p>
+            <a:pPr marL="342900" lvl="0" indent="-342900" algn="just">
               <a:spcBef>
-                <a:spcPts val="1000"/>
+                <a:spcPts val="250"/>
               </a:spcBef>
-              <a:spcAft>
-                <a:spcPts val="0"/>
-              </a:spcAft>
-              <a:buClr>
-                <a:srgbClr val="9BAFB5"/>
-              </a:buClr>
-              <a:buSzTx/>
-              <a:buFont typeface="Arial" panose="020B0604020202020204" pitchFamily="34" charset="0"/>
-              <a:buNone/>
-              <a:tabLst/>
-              <a:defRPr/>
+              <a:buFont typeface="+mj-lt"/>
+              <a:buAutoNum type="arabicPeriod"/>
             </a:pPr>
             <a:r>
-              <a:rPr kumimoji="0" lang="en" sz="1800" b="0" i="0" u="none" strike="noStrike" kern="1200" cap="none" spc="0" normalizeH="0" baseline="0" noProof="0" dirty="0">
-                <a:ln>
-                  <a:noFill/>
-                </a:ln>
-                <a:solidFill>
-                  <a:srgbClr val="002060"/>
+              <a:rPr lang="en-US" dirty="0">
+                <a:solidFill>
+                  <a:srgbClr val="000000"/>
                 </a:solidFill>
                 <a:effectLst/>
-                <a:uLnTx/>
-                <a:uFillTx/>
-                <a:latin typeface="Times New Roman" panose="02020603050405020304" pitchFamily="18" charset="0"/>
-                <a:ea typeface="+mn-ea"/>
-                <a:cs typeface="Times New Roman" panose="02020603050405020304" pitchFamily="18" charset="0"/>
-              </a:rPr>
-              <a:t>Size:18</a:t>
-            </a:r>
-          </a:p>
-          <a:p>
-            <a:pPr marL="0" marR="0" lvl="0" indent="0" algn="l" defTabSz="914400" rtl="0" eaLnBrk="1" fontAlgn="auto" latinLnBrk="0" hangingPunct="1">
-              <a:lnSpc>
-                <a:spcPct val="100000"/>
-              </a:lnSpc>
+                <a:latin typeface="Times New Roman" panose="02020603050405020304" pitchFamily="18" charset="0"/>
+                <a:ea typeface="Times New Roman" panose="02020603050405020304" pitchFamily="18" charset="0"/>
+              </a:rPr>
+              <a:t>Liang, Q., &amp; Chen, Z. (2021). "Trends and Patterns in GATE Exam Questions: A Statistical Analysis." Journal of Engineering Education Research, 25(3), 210-225.</a:t>
+            </a:r>
+            <a:endParaRPr lang="en-IN" dirty="0">
+              <a:effectLst/>
+              <a:latin typeface="Calibri" panose="020F0502020204030204" pitchFamily="34" charset="0"/>
+              <a:ea typeface="Calibri" panose="020F0502020204030204" pitchFamily="34" charset="0"/>
+            </a:endParaRPr>
+          </a:p>
+          <a:p>
+            <a:pPr marL="342900" lvl="0" indent="-342900" algn="just">
               <a:spcBef>
-                <a:spcPts val="1000"/>
+                <a:spcPts val="250"/>
               </a:spcBef>
-              <a:spcAft>
-                <a:spcPts val="0"/>
-              </a:spcAft>
-              <a:buClr>
-                <a:srgbClr val="9BAFB5"/>
-              </a:buClr>
-              <a:buSzTx/>
-              <a:buFont typeface="Arial" panose="020B0604020202020204" pitchFamily="34" charset="0"/>
-              <a:buNone/>
-              <a:tabLst/>
-              <a:defRPr/>
+              <a:buFont typeface="+mj-lt"/>
+              <a:buAutoNum type="arabicPeriod"/>
             </a:pPr>
             <a:r>
-              <a:rPr kumimoji="0" lang="en" sz="1800" b="0" i="0" u="none" strike="noStrike" kern="1200" cap="none" spc="0" normalizeH="0" baseline="0" noProof="0" dirty="0">
-                <a:ln>
-                  <a:noFill/>
-                </a:ln>
-                <a:solidFill>
-                  <a:srgbClr val="002060"/>
+              <a:rPr lang="en-US" dirty="0">
+                <a:solidFill>
+                  <a:srgbClr val="000000"/>
                 </a:solidFill>
                 <a:effectLst/>
-                <a:uLnTx/>
-                <a:uFillTx/>
-                <a:latin typeface="Times New Roman" panose="02020603050405020304" pitchFamily="18" charset="0"/>
-                <a:ea typeface="+mn-ea"/>
-                <a:cs typeface="Times New Roman" panose="02020603050405020304" pitchFamily="18" charset="0"/>
-              </a:rPr>
-              <a:t>Alignment: Justify</a:t>
-            </a:r>
-          </a:p>
-          <a:p>
-            <a:pPr marL="0" marR="0" lvl="0" indent="0" algn="l" defTabSz="914400" rtl="0" eaLnBrk="1" fontAlgn="auto" latinLnBrk="0" hangingPunct="1">
-              <a:lnSpc>
-                <a:spcPct val="100000"/>
-              </a:lnSpc>
+                <a:latin typeface="Times New Roman" panose="02020603050405020304" pitchFamily="18" charset="0"/>
+                <a:ea typeface="Times New Roman" panose="02020603050405020304" pitchFamily="18" charset="0"/>
+              </a:rPr>
+              <a:t>Kumar, V., et al. (2022). "Impact of Practice Tests on Exam Performance: A Survey-based Study." International Journal of Educational Assessment, 18(1), 55-68.</a:t>
+            </a:r>
+            <a:endParaRPr lang="en-IN" dirty="0">
+              <a:effectLst/>
+              <a:latin typeface="Calibri" panose="020F0502020204030204" pitchFamily="34" charset="0"/>
+              <a:ea typeface="Calibri" panose="020F0502020204030204" pitchFamily="34" charset="0"/>
+            </a:endParaRPr>
+          </a:p>
+          <a:p>
+            <a:pPr>
               <a:spcBef>
-                <a:spcPts val="1000"/>
+                <a:spcPts val="15"/>
               </a:spcBef>
-              <a:spcAft>
-                <a:spcPts val="0"/>
-              </a:spcAft>
-              <a:buClr>
-                <a:srgbClr val="9BAFB5"/>
-              </a:buClr>
-              <a:buSzTx/>
-              <a:buFont typeface="Arial" panose="020B0604020202020204" pitchFamily="34" charset="0"/>
-              <a:buNone/>
-              <a:tabLst/>
-              <a:defRPr/>
             </a:pPr>
             <a:r>
-              <a:rPr kumimoji="0" lang="en" sz="1800" b="0" i="0" u="none" strike="noStrike" kern="1200" cap="none" spc="0" normalizeH="0" baseline="0" noProof="0" dirty="0">
-                <a:ln>
-                  <a:noFill/>
-                </a:ln>
-                <a:solidFill>
-                  <a:srgbClr val="002060"/>
-                </a:solidFill>
+              <a:rPr lang="en-US" b="1" dirty="0">
                 <a:effectLst/>
-                <a:uLnTx/>
-                <a:uFillTx/>
-                <a:latin typeface="Times New Roman" panose="02020603050405020304" pitchFamily="18" charset="0"/>
-                <a:ea typeface="+mn-ea"/>
-                <a:cs typeface="Times New Roman" panose="02020603050405020304" pitchFamily="18" charset="0"/>
-              </a:rPr>
-              <a:t>Line spaceing: 1.0</a:t>
-            </a:r>
-          </a:p>
-          <a:p>
-            <a:pPr marL="0" marR="0" lvl="0" indent="0" algn="l" defTabSz="914400" rtl="0" eaLnBrk="1" fontAlgn="auto" latinLnBrk="0" hangingPunct="1">
-              <a:lnSpc>
-                <a:spcPct val="100000"/>
-              </a:lnSpc>
-              <a:spcBef>
-                <a:spcPts val="1000"/>
-              </a:spcBef>
-              <a:spcAft>
-                <a:spcPts val="0"/>
-              </a:spcAft>
-              <a:buClr>
-                <a:srgbClr val="9BAFB5"/>
-              </a:buClr>
-              <a:buSzTx/>
-              <a:buFont typeface="Arial" panose="020B0604020202020204" pitchFamily="34" charset="0"/>
-              <a:buNone/>
-              <a:tabLst/>
-              <a:defRPr/>
-            </a:pPr>
-            <a:r>
-              <a:rPr kumimoji="0" lang="en" sz="1800" b="0" i="0" u="none" strike="noStrike" kern="1200" cap="none" spc="0" normalizeH="0" baseline="0" noProof="0" dirty="0">
-                <a:ln>
-                  <a:noFill/>
-                </a:ln>
-                <a:solidFill>
-                  <a:srgbClr val="002060"/>
-                </a:solidFill>
-                <a:effectLst/>
-                <a:uLnTx/>
-                <a:uFillTx/>
-                <a:latin typeface="Times New Roman" panose="02020603050405020304" pitchFamily="18" charset="0"/>
-                <a:ea typeface="+mn-ea"/>
-                <a:cs typeface="Times New Roman" panose="02020603050405020304" pitchFamily="18" charset="0"/>
-              </a:rPr>
-              <a:t>Statement: With proper bullets.</a:t>
-            </a:r>
-            <a:endParaRPr kumimoji="0" lang="en-IN" sz="1800" b="0" i="0" u="none" strike="noStrike" kern="1200" cap="none" spc="0" normalizeH="0" baseline="0" noProof="0" dirty="0">
-              <a:ln>
-                <a:noFill/>
-              </a:ln>
-              <a:solidFill>
-                <a:srgbClr val="000000">
-                  <a:lumMod val="85000"/>
-                  <a:lumOff val="15000"/>
-                </a:srgbClr>
-              </a:solidFill>
+                <a:latin typeface="Times New Roman" panose="02020603050405020304" pitchFamily="18" charset="0"/>
+                <a:ea typeface="Calibri" panose="020F0502020204030204" pitchFamily="34" charset="0"/>
+              </a:rPr>
+              <a:t> </a:t>
+            </a:r>
+            <a:endParaRPr lang="en-IN" dirty="0">
               <a:effectLst/>
-              <a:uLnTx/>
-              <a:uFillTx/>
-              <a:latin typeface="+mn-lt"/>
-              <a:ea typeface="+mn-ea"/>
-              <a:cs typeface="+mn-cs"/>
+              <a:latin typeface="Calibri" panose="020F0502020204030204" pitchFamily="34" charset="0"/>
+              <a:ea typeface="Calibri" panose="020F0502020204030204" pitchFamily="34" charset="0"/>
             </a:endParaRPr>
-          </a:p>
-          <a:p>
-            <a:endParaRPr lang="en-IN" dirty="0"/>
           </a:p>
         </p:txBody>
       </p:sp>
@@ -5696,8 +5178,8 @@
         </p:nvSpPr>
         <p:spPr>
           <a:xfrm>
-            <a:off x="4335775" y="2967335"/>
-            <a:ext cx="3520451" cy="923330"/>
+            <a:off x="3779821" y="2828835"/>
+            <a:ext cx="4632358" cy="1200329"/>
           </a:xfrm>
           <a:prstGeom prst="rect">
             <a:avLst/>
@@ -5720,7 +5202,7 @@
           <a:p>
             <a:pPr algn="ctr"/>
             <a:r>
-              <a:rPr lang="en-US" sz="5400" b="1" cap="none" spc="0" dirty="0">
+              <a:rPr lang="en-US" sz="7200" b="1" cap="none" spc="0" dirty="0">
                 <a:ln w="12700">
                   <a:solidFill>
                     <a:schemeClr val="tx2">
@@ -6238,7 +5720,7 @@
         <p:spPr/>
         <p:txBody>
           <a:bodyPr>
-            <a:normAutofit fontScale="90000"/>
+            <a:normAutofit/>
           </a:bodyPr>
           <a:lstStyle/>
           <a:p>
@@ -6253,72 +5735,6 @@
               </a:rPr>
               <a:t>Abstract</a:t>
             </a:r>
-            <a:br>
-              <a:rPr lang="en" sz="1100" dirty="0">
-                <a:solidFill>
-                  <a:srgbClr val="002060"/>
-                </a:solidFill>
-                <a:latin typeface="Times New Roman" panose="02020603050405020304" pitchFamily="18" charset="0"/>
-                <a:cs typeface="Times New Roman" panose="02020603050405020304" pitchFamily="18" charset="0"/>
-              </a:rPr>
-            </a:br>
-            <a:r>
-              <a:rPr lang="en" sz="1100" dirty="0">
-                <a:solidFill>
-                  <a:srgbClr val="002060"/>
-                </a:solidFill>
-                <a:latin typeface="Times New Roman" panose="02020603050405020304" pitchFamily="18" charset="0"/>
-                <a:cs typeface="Times New Roman" panose="02020603050405020304" pitchFamily="18" charset="0"/>
-              </a:rPr>
-              <a:t>			Font: Times New roman</a:t>
-            </a:r>
-            <a:br>
-              <a:rPr lang="en" sz="1100" dirty="0">
-                <a:solidFill>
-                  <a:srgbClr val="002060"/>
-                </a:solidFill>
-                <a:latin typeface="Times New Roman" panose="02020603050405020304" pitchFamily="18" charset="0"/>
-                <a:cs typeface="Times New Roman" panose="02020603050405020304" pitchFamily="18" charset="0"/>
-              </a:rPr>
-            </a:br>
-            <a:r>
-              <a:rPr lang="en" sz="1100" dirty="0">
-                <a:solidFill>
-                  <a:srgbClr val="002060"/>
-                </a:solidFill>
-                <a:latin typeface="Times New Roman" panose="02020603050405020304" pitchFamily="18" charset="0"/>
-                <a:cs typeface="Times New Roman" panose="02020603050405020304" pitchFamily="18" charset="0"/>
-              </a:rPr>
-              <a:t>			Size:28</a:t>
-            </a:r>
-            <a:br>
-              <a:rPr lang="en" sz="1100" dirty="0">
-                <a:solidFill>
-                  <a:srgbClr val="002060"/>
-                </a:solidFill>
-                <a:latin typeface="Times New Roman" panose="02020603050405020304" pitchFamily="18" charset="0"/>
-                <a:cs typeface="Times New Roman" panose="02020603050405020304" pitchFamily="18" charset="0"/>
-              </a:rPr>
-            </a:br>
-            <a:r>
-              <a:rPr lang="en" sz="1100" dirty="0">
-                <a:solidFill>
-                  <a:srgbClr val="002060"/>
-                </a:solidFill>
-                <a:latin typeface="Times New Roman" panose="02020603050405020304" pitchFamily="18" charset="0"/>
-                <a:cs typeface="Times New Roman" panose="02020603050405020304" pitchFamily="18" charset="0"/>
-              </a:rPr>
-              <a:t>			Alignment: left</a:t>
-            </a:r>
-            <a:br>
-              <a:rPr lang="en" dirty="0">
-                <a:solidFill>
-                  <a:srgbClr val="002060"/>
-                </a:solidFill>
-                <a:latin typeface="Times New Roman" panose="02020603050405020304" pitchFamily="18" charset="0"/>
-                <a:cs typeface="Times New Roman" panose="02020603050405020304" pitchFamily="18" charset="0"/>
-              </a:rPr>
-            </a:br>
             <a:endParaRPr lang="en-IN" dirty="0">
               <a:latin typeface="Times New Roman" panose="02020603050405020304" pitchFamily="18" charset="0"/>
               <a:cs typeface="Times New Roman" panose="02020603050405020304" pitchFamily="18" charset="0"/>
@@ -6342,70 +5758,73 @@
             <p:ph idx="1"/>
           </p:nvPr>
         </p:nvSpPr>
-        <p:spPr/>
-        <p:txBody>
-          <a:bodyPr/>
-          <a:lstStyle/>
-          <a:p>
-            <a:pPr marL="0" indent="0">
+        <p:spPr>
+          <a:xfrm>
+            <a:off x="1128075" y="2487215"/>
+            <a:ext cx="9935850" cy="3101983"/>
+          </a:xfrm>
+        </p:spPr>
+        <p:txBody>
+          <a:bodyPr>
+            <a:noAutofit/>
+          </a:bodyPr>
+          <a:lstStyle/>
+          <a:p>
+            <a:r>
+              <a:rPr lang="en-US" dirty="0">
+                <a:effectLst/>
+                <a:latin typeface="Times New Roman" panose="02020603050405020304" pitchFamily="18" charset="0"/>
+                <a:ea typeface="Calibri" panose="020F0502020204030204" pitchFamily="34" charset="0"/>
+                <a:cs typeface="Times New Roman" panose="02020603050405020304" pitchFamily="18" charset="0"/>
+              </a:rPr>
+              <a:t>The Graduate Aptitude Test in Engineering (GATE) stands as a pivotal examination for engineering graduates seeking higher education, research opportunities, and esteemed career paths in engineering and technology. However, the preparation process for GATE poses significant challenges, including the need to navigate a vast syllabus, master complex concepts, and develop effective study strategies. </a:t>
+            </a:r>
+            <a:endParaRPr lang="en-IN" dirty="0">
+              <a:effectLst/>
+              <a:latin typeface="Times New Roman" panose="02020603050405020304" pitchFamily="18" charset="0"/>
+              <a:ea typeface="Calibri" panose="020F0502020204030204" pitchFamily="34" charset="0"/>
+              <a:cs typeface="Times New Roman" panose="02020603050405020304" pitchFamily="18" charset="0"/>
+            </a:endParaRPr>
+          </a:p>
+          <a:p>
+            <a:pPr indent="0">
               <a:buNone/>
             </a:pPr>
             <a:r>
-              <a:rPr lang="en" sz="1800" dirty="0">
-                <a:solidFill>
-                  <a:srgbClr val="002060"/>
-                </a:solidFill>
-                <a:latin typeface="Times New Roman" panose="02020603050405020304" pitchFamily="18" charset="0"/>
+              <a:rPr lang="en-US" dirty="0">
+                <a:effectLst/>
+                <a:latin typeface="Times New Roman" panose="02020603050405020304" pitchFamily="18" charset="0"/>
+                <a:ea typeface="Calibri" panose="020F0502020204030204" pitchFamily="34" charset="0"/>
                 <a:cs typeface="Times New Roman" panose="02020603050405020304" pitchFamily="18" charset="0"/>
               </a:rPr>
-              <a:t>Font: Times New Roman</a:t>
-            </a:r>
-          </a:p>
-          <a:p>
-            <a:pPr marL="0" indent="0">
+              <a:t>This project seeks to revolutionize GATE exam preparation through an innovative web platform. It offers a vast repository of practice papers meticulously aligned with the exam's format and difficulty levels. Leveraging advanced AI algorithms, the platform provides personalized performance analysis and study recommendations tailored to each aspirant's strengths and weaknesses.</a:t>
+            </a:r>
+            <a:endParaRPr lang="en-IN" dirty="0">
+              <a:effectLst/>
+              <a:latin typeface="Times New Roman" panose="02020603050405020304" pitchFamily="18" charset="0"/>
+              <a:ea typeface="Calibri" panose="020F0502020204030204" pitchFamily="34" charset="0"/>
+              <a:cs typeface="Times New Roman" panose="02020603050405020304" pitchFamily="18" charset="0"/>
+            </a:endParaRPr>
+          </a:p>
+          <a:p>
+            <a:pPr indent="0">
               <a:buNone/>
             </a:pPr>
             <a:r>
-              <a:rPr lang="en" sz="1800" dirty="0">
-                <a:solidFill>
-                  <a:srgbClr val="002060"/>
-                </a:solidFill>
-                <a:latin typeface="Times New Roman" panose="02020603050405020304" pitchFamily="18" charset="0"/>
+              <a:rPr lang="en-US" dirty="0">
+                <a:effectLst/>
+                <a:latin typeface="Times New Roman" panose="02020603050405020304" pitchFamily="18" charset="0"/>
+                <a:ea typeface="Calibri" panose="020F0502020204030204" pitchFamily="34" charset="0"/>
                 <a:cs typeface="Times New Roman" panose="02020603050405020304" pitchFamily="18" charset="0"/>
               </a:rPr>
-              <a:t>Size:18</a:t>
-            </a:r>
-          </a:p>
-          <a:p>
-            <a:pPr marL="0" indent="0">
-              <a:buNone/>
-            </a:pPr>
-            <a:r>
-              <a:rPr lang="en" dirty="0">
-                <a:solidFill>
-                  <a:srgbClr val="002060"/>
-                </a:solidFill>
-                <a:latin typeface="Times New Roman" panose="02020603050405020304" pitchFamily="18" charset="0"/>
-                <a:cs typeface="Times New Roman" panose="02020603050405020304" pitchFamily="18" charset="0"/>
-              </a:rPr>
-              <a:t>Alignment: Justify</a:t>
-            </a:r>
-          </a:p>
-          <a:p>
-            <a:pPr marL="0" indent="0">
-              <a:buNone/>
-            </a:pPr>
-            <a:r>
-              <a:rPr lang="en" dirty="0">
-                <a:solidFill>
-                  <a:srgbClr val="002060"/>
-                </a:solidFill>
-                <a:latin typeface="Times New Roman" panose="02020603050405020304" pitchFamily="18" charset="0"/>
-                <a:cs typeface="Times New Roman" panose="02020603050405020304" pitchFamily="18" charset="0"/>
-              </a:rPr>
-              <a:t>Line spaceing: 1.0</a:t>
-            </a:r>
-            <a:endParaRPr lang="en-IN" dirty="0"/>
+              <a:t>Furthermore, the platform harnesses predictive modeling techniques to anticipate question tags likely to appear in future exams. By analyzing extensive datasets of past GATE papers and trends, it empowers aspirants with valuable insights into the exam's patterns. This enables them to streamline their preparation efforts and focus on the most relevant topics, increasing their chances of success.</a:t>
+            </a:r>
+            <a:endParaRPr lang="en-IN" dirty="0">
+              <a:effectLst/>
+              <a:latin typeface="Times New Roman" panose="02020603050405020304" pitchFamily="18" charset="0"/>
+              <a:ea typeface="Calibri" panose="020F0502020204030204" pitchFamily="34" charset="0"/>
+              <a:cs typeface="Times New Roman" panose="02020603050405020304" pitchFamily="18" charset="0"/>
+            </a:endParaRPr>
           </a:p>
         </p:txBody>
       </p:sp>
@@ -6516,71 +5935,6 @@
                 <a:solidFill>
                   <a:srgbClr val="002060"/>
                 </a:solidFill>
-                <a:latin typeface="+mn-lt"/>
-              </a:rPr>
-            </a:br>
-            <a:r>
-              <a:rPr lang="en" dirty="0">
-                <a:solidFill>
-                  <a:srgbClr val="002060"/>
-                </a:solidFill>
-                <a:latin typeface="+mn-lt"/>
-              </a:rPr>
-              <a:t>				 </a:t>
-            </a:r>
-            <a:r>
-              <a:rPr lang="en" sz="1200" dirty="0">
-                <a:solidFill>
-                  <a:srgbClr val="002060"/>
-                </a:solidFill>
-                <a:latin typeface="Times New Roman" panose="02020603050405020304" pitchFamily="18" charset="0"/>
-                <a:cs typeface="Times New Roman" panose="02020603050405020304" pitchFamily="18" charset="0"/>
-              </a:rPr>
-              <a:t>Font: Times New roman</a:t>
-            </a:r>
-            <a:br>
-              <a:rPr lang="en" sz="1200" dirty="0">
-                <a:solidFill>
-                  <a:srgbClr val="002060"/>
-                </a:solidFill>
-                <a:latin typeface="Times New Roman" panose="02020603050405020304" pitchFamily="18" charset="0"/>
-                <a:cs typeface="Times New Roman" panose="02020603050405020304" pitchFamily="18" charset="0"/>
-              </a:rPr>
-            </a:br>
-            <a:r>
-              <a:rPr lang="en" sz="1200" dirty="0">
-                <a:solidFill>
-                  <a:srgbClr val="002060"/>
-                </a:solidFill>
-                <a:latin typeface="Times New Roman" panose="02020603050405020304" pitchFamily="18" charset="0"/>
-                <a:cs typeface="Times New Roman" panose="02020603050405020304" pitchFamily="18" charset="0"/>
-              </a:rPr>
-              <a:t>				  Size:28</a:t>
-            </a:r>
-            <a:br>
-              <a:rPr lang="en" sz="1200" dirty="0">
-                <a:solidFill>
-                  <a:srgbClr val="002060"/>
-                </a:solidFill>
-                <a:latin typeface="Times New Roman" panose="02020603050405020304" pitchFamily="18" charset="0"/>
-                <a:cs typeface="Times New Roman" panose="02020603050405020304" pitchFamily="18" charset="0"/>
-              </a:rPr>
-            </a:br>
-            <a:r>
-              <a:rPr lang="en" sz="1200" dirty="0">
-                <a:solidFill>
-                  <a:srgbClr val="002060"/>
-                </a:solidFill>
-                <a:latin typeface="Times New Roman" panose="02020603050405020304" pitchFamily="18" charset="0"/>
-                <a:cs typeface="Times New Roman" panose="02020603050405020304" pitchFamily="18" charset="0"/>
-              </a:rPr>
-              <a:t>				  alignment: Left</a:t>
-            </a:r>
-            <a:br>
-              <a:rPr lang="en" dirty="0">
-                <a:solidFill>
-                  <a:srgbClr val="002060"/>
-                </a:solidFill>
                 <a:latin typeface="Times New Roman" panose="02020603050405020304" pitchFamily="18" charset="0"/>
                 <a:cs typeface="Times New Roman" panose="02020603050405020304" pitchFamily="18" charset="0"/>
               </a:rPr>
@@ -6605,85 +5959,55 @@
             <p:ph idx="1"/>
           </p:nvPr>
         </p:nvSpPr>
-        <p:spPr/>
+        <p:spPr>
+          <a:xfrm>
+            <a:off x="2231136" y="2638045"/>
+            <a:ext cx="7729728" cy="2414722"/>
+          </a:xfrm>
+        </p:spPr>
         <p:txBody>
           <a:bodyPr/>
           <a:lstStyle/>
+          <a:p>
+            <a:r>
+              <a:rPr lang="en-US" sz="1800" dirty="0">
+                <a:effectLst/>
+                <a:latin typeface="Times New Roman" panose="02020603050405020304" pitchFamily="18" charset="0"/>
+                <a:ea typeface="Times New Roman" panose="02020603050405020304" pitchFamily="18" charset="0"/>
+              </a:rPr>
+              <a:t>Design and develop a web-based portal, named </a:t>
+            </a:r>
+            <a:r>
+              <a:rPr lang="en-US" sz="1800" dirty="0" err="1">
+                <a:effectLst/>
+                <a:latin typeface="Times New Roman" panose="02020603050405020304" pitchFamily="18" charset="0"/>
+                <a:ea typeface="Times New Roman" panose="02020603050405020304" pitchFamily="18" charset="0"/>
+              </a:rPr>
+              <a:t>GATE.app</a:t>
+            </a:r>
+            <a:r>
+              <a:rPr lang="en-US" sz="1800" dirty="0">
+                <a:effectLst/>
+                <a:latin typeface="Times New Roman" panose="02020603050405020304" pitchFamily="18" charset="0"/>
+                <a:ea typeface="Times New Roman" panose="02020603050405020304" pitchFamily="18" charset="0"/>
+              </a:rPr>
+              <a:t>, to assist Graduate Aptitude Test in Engineering (GATE) aspirants in improving their performance through practice papers and personalized ML-driven recommendations. Additionally, implement question prediction using machine learning techniques based on analysis of previous papers.</a:t>
+            </a:r>
+            <a:endParaRPr lang="en-IN" sz="1800" dirty="0">
+              <a:effectLst/>
+              <a:latin typeface="Calibri" panose="020F0502020204030204" pitchFamily="34" charset="0"/>
+              <a:ea typeface="Calibri" panose="020F0502020204030204" pitchFamily="34" charset="0"/>
+            </a:endParaRPr>
+          </a:p>
           <a:p>
             <a:pPr marL="0" indent="0">
               <a:buNone/>
             </a:pPr>
-            <a:r>
-              <a:rPr lang="en" sz="1800" dirty="0">
-                <a:solidFill>
-                  <a:srgbClr val="002060"/>
-                </a:solidFill>
-                <a:latin typeface="Times New Roman" panose="02020603050405020304" pitchFamily="18" charset="0"/>
-                <a:cs typeface="Times New Roman" panose="02020603050405020304" pitchFamily="18" charset="0"/>
-              </a:rPr>
-              <a:t>Font: Times New Roman</a:t>
-            </a:r>
-          </a:p>
-          <a:p>
-            <a:pPr marL="0" indent="0">
-              <a:buNone/>
-            </a:pPr>
-            <a:r>
-              <a:rPr lang="en" sz="1800" dirty="0">
-                <a:solidFill>
-                  <a:srgbClr val="002060"/>
-                </a:solidFill>
-                <a:latin typeface="Times New Roman" panose="02020603050405020304" pitchFamily="18" charset="0"/>
-                <a:cs typeface="Times New Roman" panose="02020603050405020304" pitchFamily="18" charset="0"/>
-              </a:rPr>
-              <a:t>Size:18</a:t>
-            </a:r>
-          </a:p>
-          <a:p>
-            <a:pPr marL="0" indent="0">
-              <a:buNone/>
-            </a:pPr>
-            <a:r>
-              <a:rPr lang="en" dirty="0">
-                <a:solidFill>
-                  <a:srgbClr val="002060"/>
-                </a:solidFill>
-                <a:latin typeface="Times New Roman" panose="02020603050405020304" pitchFamily="18" charset="0"/>
-                <a:cs typeface="Times New Roman" panose="02020603050405020304" pitchFamily="18" charset="0"/>
-              </a:rPr>
-              <a:t>Alignment: Justify</a:t>
-            </a:r>
-          </a:p>
-          <a:p>
-            <a:pPr marL="0" indent="0">
-              <a:buNone/>
-            </a:pPr>
-            <a:r>
-              <a:rPr lang="en" dirty="0">
-                <a:solidFill>
-                  <a:srgbClr val="002060"/>
-                </a:solidFill>
-                <a:latin typeface="Times New Roman" panose="02020603050405020304" pitchFamily="18" charset="0"/>
-                <a:cs typeface="Times New Roman" panose="02020603050405020304" pitchFamily="18" charset="0"/>
-              </a:rPr>
-              <a:t>Line spaceing: 1.0</a:t>
-            </a:r>
-          </a:p>
-          <a:p>
-            <a:pPr marL="0" indent="0">
-              <a:buNone/>
-            </a:pPr>
-            <a:r>
-              <a:rPr lang="en" dirty="0">
-                <a:solidFill>
-                  <a:srgbClr val="002060"/>
-                </a:solidFill>
-                <a:latin typeface="Times New Roman" panose="02020603050405020304" pitchFamily="18" charset="0"/>
-                <a:cs typeface="Times New Roman" panose="02020603050405020304" pitchFamily="18" charset="0"/>
-              </a:rPr>
-              <a:t>Statement: 1 only and within 2 to 3 lines only.</a:t>
-            </a:r>
-            <a:endParaRPr lang="en-IN" dirty="0"/>
+            <a:endParaRPr lang="en-IN" sz="1800" dirty="0">
+              <a:effectLst/>
+              <a:latin typeface="Calibri" panose="020F0502020204030204" pitchFamily="34" charset="0"/>
+              <a:ea typeface="Calibri" panose="020F0502020204030204" pitchFamily="34" charset="0"/>
+            </a:endParaRPr>
           </a:p>
           <a:p>
             <a:endParaRPr lang="en-IN" dirty="0"/>
@@ -6768,7 +6092,7 @@
         <p:spPr/>
         <p:txBody>
           <a:bodyPr>
-            <a:normAutofit fontScale="90000"/>
+            <a:normAutofit/>
           </a:bodyPr>
           <a:lstStyle/>
           <a:p>
@@ -6782,73 +6106,6 @@
                 <a:cs typeface="Times New Roman" panose="02020603050405020304" pitchFamily="18" charset="0"/>
               </a:rPr>
               <a:t>Objectives </a:t>
-            </a:r>
-            <a:br>
-              <a:rPr lang="en" dirty="0">
-                <a:solidFill>
-                  <a:srgbClr val="002060"/>
-                </a:solidFill>
-                <a:latin typeface="Times New Roman" panose="02020603050405020304" pitchFamily="18" charset="0"/>
-                <a:cs typeface="Times New Roman" panose="02020603050405020304" pitchFamily="18" charset="0"/>
-              </a:rPr>
-            </a:br>
-            <a:r>
-              <a:rPr lang="en" dirty="0">
-                <a:solidFill>
-                  <a:srgbClr val="002060"/>
-                </a:solidFill>
-                <a:latin typeface="Times New Roman" panose="02020603050405020304" pitchFamily="18" charset="0"/>
-                <a:cs typeface="Times New Roman" panose="02020603050405020304" pitchFamily="18" charset="0"/>
-              </a:rPr>
-              <a:t>				 </a:t>
-            </a:r>
-            <a:r>
-              <a:rPr lang="en" sz="1000" dirty="0">
-                <a:solidFill>
-                  <a:srgbClr val="002060"/>
-                </a:solidFill>
-                <a:latin typeface="Times New Roman" panose="02020603050405020304" pitchFamily="18" charset="0"/>
-                <a:cs typeface="Times New Roman" panose="02020603050405020304" pitchFamily="18" charset="0"/>
-              </a:rPr>
-              <a:t>Font: Times New roman</a:t>
-            </a:r>
-            <a:br>
-              <a:rPr lang="en" sz="1000" dirty="0">
-                <a:solidFill>
-                  <a:srgbClr val="002060"/>
-                </a:solidFill>
-                <a:latin typeface="Times New Roman" panose="02020603050405020304" pitchFamily="18" charset="0"/>
-                <a:cs typeface="Times New Roman" panose="02020603050405020304" pitchFamily="18" charset="0"/>
-              </a:rPr>
-            </a:br>
-            <a:r>
-              <a:rPr lang="en" sz="1000" dirty="0">
-                <a:solidFill>
-                  <a:srgbClr val="002060"/>
-                </a:solidFill>
-                <a:latin typeface="Times New Roman" panose="02020603050405020304" pitchFamily="18" charset="0"/>
-                <a:cs typeface="Times New Roman" panose="02020603050405020304" pitchFamily="18" charset="0"/>
-              </a:rPr>
-              <a:t>				  Size:28</a:t>
-            </a:r>
-            <a:br>
-              <a:rPr lang="en" sz="1000" dirty="0">
-                <a:solidFill>
-                  <a:srgbClr val="002060"/>
-                </a:solidFill>
-                <a:latin typeface="Times New Roman" panose="02020603050405020304" pitchFamily="18" charset="0"/>
-                <a:cs typeface="Times New Roman" panose="02020603050405020304" pitchFamily="18" charset="0"/>
-              </a:rPr>
-            </a:br>
-            <a:r>
-              <a:rPr lang="en" sz="1000" dirty="0">
-                <a:solidFill>
-                  <a:srgbClr val="002060"/>
-                </a:solidFill>
-                <a:latin typeface="Times New Roman" panose="02020603050405020304" pitchFamily="18" charset="0"/>
-                <a:cs typeface="Times New Roman" panose="02020603050405020304" pitchFamily="18" charset="0"/>
-              </a:rPr>
-              <a:t>				  alignment: Left</a:t>
             </a:r>
             <a:endParaRPr lang="en-IN" dirty="0">
               <a:solidFill>
@@ -6876,219 +6133,87 @@
             <p:ph idx="1"/>
           </p:nvPr>
         </p:nvSpPr>
-        <p:spPr/>
+        <p:spPr>
+          <a:xfrm>
+            <a:off x="2231136" y="2638044"/>
+            <a:ext cx="7729728" cy="2527845"/>
+          </a:xfrm>
+        </p:spPr>
         <p:txBody>
           <a:bodyPr/>
           <a:lstStyle/>
           <a:p>
-            <a:pPr marL="0" marR="0" lvl="0" indent="0" algn="l" defTabSz="914400" rtl="0" eaLnBrk="1" fontAlgn="auto" latinLnBrk="0" hangingPunct="1">
-              <a:lnSpc>
-                <a:spcPct val="100000"/>
-              </a:lnSpc>
+            <a:pPr marL="342900" lvl="0" indent="-342900">
               <a:spcBef>
-                <a:spcPts val="1000"/>
+                <a:spcPts val="250"/>
               </a:spcBef>
-              <a:spcAft>
-                <a:spcPts val="0"/>
-              </a:spcAft>
-              <a:buClr>
-                <a:srgbClr val="9BAFB5"/>
-              </a:buClr>
-              <a:buSzTx/>
-              <a:buFont typeface="Arial" panose="020B0604020202020204" pitchFamily="34" charset="0"/>
-              <a:buNone/>
-              <a:tabLst/>
-              <a:defRPr/>
+              <a:buSzPts val="1300"/>
+              <a:buFont typeface="+mj-lt"/>
+              <a:buAutoNum type="arabicPeriod"/>
             </a:pPr>
             <a:r>
-              <a:rPr kumimoji="0" lang="en" sz="1800" b="0" i="0" u="none" strike="noStrike" kern="1200" cap="none" spc="0" normalizeH="0" baseline="0" noProof="0" dirty="0">
-                <a:ln>
-                  <a:noFill/>
-                </a:ln>
-                <a:solidFill>
-                  <a:srgbClr val="002060"/>
-                </a:solidFill>
+              <a:rPr lang="en-US" sz="1800" dirty="0">
                 <a:effectLst/>
-                <a:uLnTx/>
-                <a:uFillTx/>
-                <a:latin typeface="Times New Roman" panose="02020603050405020304" pitchFamily="18" charset="0"/>
-                <a:ea typeface="+mn-ea"/>
+                <a:latin typeface="Times New Roman" panose="02020603050405020304" pitchFamily="18" charset="0"/>
+                <a:ea typeface="Times New Roman" panose="02020603050405020304" pitchFamily="18" charset="0"/>
                 <a:cs typeface="Times New Roman" panose="02020603050405020304" pitchFamily="18" charset="0"/>
               </a:rPr>
-              <a:t>Font: Times New Roman</a:t>
-            </a:r>
-          </a:p>
-          <a:p>
-            <a:pPr marL="0" marR="0" lvl="0" indent="0" algn="l" defTabSz="914400" rtl="0" eaLnBrk="1" fontAlgn="auto" latinLnBrk="0" hangingPunct="1">
-              <a:lnSpc>
-                <a:spcPct val="100000"/>
-              </a:lnSpc>
+              <a:t>To develop a user-friendly web portal for GATE exam preparation.</a:t>
+            </a:r>
+            <a:endParaRPr lang="en-IN" sz="1800" dirty="0">
+              <a:effectLst/>
+              <a:latin typeface="Calibri" panose="020F0502020204030204" pitchFamily="34" charset="0"/>
+              <a:ea typeface="Calibri" panose="020F0502020204030204" pitchFamily="34" charset="0"/>
+            </a:endParaRPr>
+          </a:p>
+          <a:p>
+            <a:pPr marL="342900" lvl="0" indent="-342900">
               <a:spcBef>
-                <a:spcPts val="1000"/>
+                <a:spcPts val="250"/>
               </a:spcBef>
-              <a:spcAft>
-                <a:spcPts val="0"/>
-              </a:spcAft>
-              <a:buClr>
-                <a:srgbClr val="9BAFB5"/>
-              </a:buClr>
-              <a:buSzTx/>
-              <a:buFont typeface="Arial" panose="020B0604020202020204" pitchFamily="34" charset="0"/>
-              <a:buNone/>
-              <a:tabLst/>
-              <a:defRPr/>
+              <a:buSzPts val="1300"/>
+              <a:buFont typeface="+mj-lt"/>
+              <a:buAutoNum type="arabicPeriod"/>
             </a:pPr>
             <a:r>
-              <a:rPr kumimoji="0" lang="en" sz="1800" b="0" i="0" u="none" strike="noStrike" kern="1200" cap="none" spc="0" normalizeH="0" baseline="0" noProof="0" dirty="0">
-                <a:ln>
-                  <a:noFill/>
-                </a:ln>
-                <a:solidFill>
-                  <a:srgbClr val="002060"/>
-                </a:solidFill>
+              <a:rPr lang="en-US" sz="1800" dirty="0">
                 <a:effectLst/>
-                <a:uLnTx/>
-                <a:uFillTx/>
-                <a:latin typeface="Times New Roman" panose="02020603050405020304" pitchFamily="18" charset="0"/>
-                <a:ea typeface="+mn-ea"/>
+                <a:latin typeface="Times New Roman" panose="02020603050405020304" pitchFamily="18" charset="0"/>
+                <a:ea typeface="Times New Roman" panose="02020603050405020304" pitchFamily="18" charset="0"/>
                 <a:cs typeface="Times New Roman" panose="02020603050405020304" pitchFamily="18" charset="0"/>
               </a:rPr>
-              <a:t>Size:18</a:t>
-            </a:r>
-          </a:p>
-          <a:p>
-            <a:pPr marL="0" marR="0" lvl="0" indent="0" algn="l" defTabSz="914400" rtl="0" eaLnBrk="1" fontAlgn="auto" latinLnBrk="0" hangingPunct="1">
-              <a:lnSpc>
-                <a:spcPct val="100000"/>
-              </a:lnSpc>
-              <a:spcBef>
-                <a:spcPts val="1000"/>
-              </a:spcBef>
-              <a:spcAft>
-                <a:spcPts val="0"/>
-              </a:spcAft>
-              <a:buClr>
-                <a:srgbClr val="9BAFB5"/>
-              </a:buClr>
-              <a:buSzTx/>
-              <a:buFont typeface="Arial" panose="020B0604020202020204" pitchFamily="34" charset="0"/>
-              <a:buNone/>
-              <a:tabLst/>
-              <a:defRPr/>
+              <a:t>To provide personalized performance analysis and recommendations.</a:t>
+            </a:r>
+            <a:endParaRPr lang="en-IN" sz="1800" dirty="0">
+              <a:effectLst/>
+              <a:latin typeface="Calibri" panose="020F0502020204030204" pitchFamily="34" charset="0"/>
+              <a:ea typeface="Calibri" panose="020F0502020204030204" pitchFamily="34" charset="0"/>
+            </a:endParaRPr>
+          </a:p>
+          <a:p>
+            <a:pPr marL="342900" lvl="0" indent="-342900">
+              <a:buSzPts val="1300"/>
+              <a:buFont typeface="+mj-lt"/>
+              <a:buAutoNum type="arabicPeriod"/>
+              <a:tabLst>
+                <a:tab pos="523240" algn="l"/>
+              </a:tabLst>
             </a:pPr>
             <a:r>
-              <a:rPr kumimoji="0" lang="en" sz="1800" b="0" i="0" u="none" strike="noStrike" kern="1200" cap="none" spc="0" normalizeH="0" baseline="0" noProof="0" dirty="0">
-                <a:ln>
-                  <a:noFill/>
-                </a:ln>
-                <a:solidFill>
-                  <a:srgbClr val="002060"/>
-                </a:solidFill>
+              <a:rPr lang="en-US" sz="1800" dirty="0">
                 <a:effectLst/>
-                <a:uLnTx/>
-                <a:uFillTx/>
-                <a:latin typeface="Times New Roman" panose="02020603050405020304" pitchFamily="18" charset="0"/>
-                <a:ea typeface="+mn-ea"/>
+                <a:latin typeface="Times New Roman" panose="02020603050405020304" pitchFamily="18" charset="0"/>
+                <a:ea typeface="Times New Roman" panose="02020603050405020304" pitchFamily="18" charset="0"/>
                 <a:cs typeface="Times New Roman" panose="02020603050405020304" pitchFamily="18" charset="0"/>
               </a:rPr>
-              <a:t>Alignment: Justify</a:t>
-            </a:r>
-          </a:p>
-          <a:p>
-            <a:pPr marL="0" marR="0" lvl="0" indent="0" algn="l" defTabSz="914400" rtl="0" eaLnBrk="1" fontAlgn="auto" latinLnBrk="0" hangingPunct="1">
-              <a:lnSpc>
-                <a:spcPct val="100000"/>
-              </a:lnSpc>
-              <a:spcBef>
-                <a:spcPts val="1000"/>
-              </a:spcBef>
-              <a:spcAft>
-                <a:spcPts val="0"/>
-              </a:spcAft>
-              <a:buClr>
-                <a:srgbClr val="9BAFB5"/>
-              </a:buClr>
-              <a:buSzTx/>
-              <a:buFont typeface="Arial" panose="020B0604020202020204" pitchFamily="34" charset="0"/>
-              <a:buNone/>
-              <a:tabLst/>
-              <a:defRPr/>
-            </a:pPr>
-            <a:r>
-              <a:rPr kumimoji="0" lang="en" sz="1800" b="0" i="0" u="none" strike="noStrike" kern="1200" cap="none" spc="0" normalizeH="0" baseline="0" noProof="0" dirty="0">
-                <a:ln>
-                  <a:noFill/>
-                </a:ln>
-                <a:solidFill>
-                  <a:srgbClr val="002060"/>
-                </a:solidFill>
-                <a:effectLst/>
-                <a:uLnTx/>
-                <a:uFillTx/>
-                <a:latin typeface="Times New Roman" panose="02020603050405020304" pitchFamily="18" charset="0"/>
-                <a:ea typeface="+mn-ea"/>
-                <a:cs typeface="Times New Roman" panose="02020603050405020304" pitchFamily="18" charset="0"/>
-              </a:rPr>
-              <a:t>Line spaceing: 1.0</a:t>
-            </a:r>
-          </a:p>
-          <a:p>
-            <a:pPr marL="0" marR="0" lvl="0" indent="0" algn="l" defTabSz="914400" rtl="0" eaLnBrk="1" fontAlgn="auto" latinLnBrk="0" hangingPunct="1">
-              <a:lnSpc>
-                <a:spcPct val="100000"/>
-              </a:lnSpc>
-              <a:spcBef>
-                <a:spcPts val="1000"/>
-              </a:spcBef>
-              <a:spcAft>
-                <a:spcPts val="0"/>
-              </a:spcAft>
-              <a:buClr>
-                <a:srgbClr val="9BAFB5"/>
-              </a:buClr>
-              <a:buSzTx/>
-              <a:buFont typeface="Arial" panose="020B0604020202020204" pitchFamily="34" charset="0"/>
-              <a:buNone/>
-              <a:tabLst/>
-              <a:defRPr/>
-            </a:pPr>
-            <a:r>
-              <a:rPr kumimoji="0" lang="en" sz="1800" b="0" i="0" u="none" strike="noStrike" kern="1200" cap="none" spc="0" normalizeH="0" baseline="0" noProof="0" dirty="0">
-                <a:ln>
-                  <a:noFill/>
-                </a:ln>
-                <a:solidFill>
-                  <a:srgbClr val="002060"/>
-                </a:solidFill>
-                <a:effectLst/>
-                <a:uLnTx/>
-                <a:uFillTx/>
-                <a:latin typeface="Times New Roman" panose="02020603050405020304" pitchFamily="18" charset="0"/>
-                <a:ea typeface="+mn-ea"/>
-                <a:cs typeface="Times New Roman" panose="02020603050405020304" pitchFamily="18" charset="0"/>
-              </a:rPr>
-              <a:t>Statement: With proper bullets.</a:t>
-            </a:r>
-            <a:endParaRPr kumimoji="0" lang="en-IN" sz="1800" b="0" i="0" u="none" strike="noStrike" kern="1200" cap="none" spc="0" normalizeH="0" baseline="0" noProof="0" dirty="0">
-              <a:ln>
-                <a:noFill/>
-              </a:ln>
-              <a:solidFill>
-                <a:srgbClr val="000000">
-                  <a:lumMod val="85000"/>
-                  <a:lumOff val="15000"/>
-                </a:srgbClr>
-              </a:solidFill>
+              <a:t>To utilize machine learning techniques for question tag prediction based on previous papers.</a:t>
+            </a:r>
+            <a:endParaRPr lang="en-IN" sz="1800" dirty="0">
               <a:effectLst/>
-              <a:uLnTx/>
-              <a:uFillTx/>
-              <a:latin typeface="Gill Sans MT" panose="020B0502020104020203"/>
-              <a:ea typeface="+mn-ea"/>
-              <a:cs typeface="+mn-cs"/>
+              <a:latin typeface="Times New Roman" panose="02020603050405020304" pitchFamily="18" charset="0"/>
+              <a:ea typeface="Times New Roman" panose="02020603050405020304" pitchFamily="18" charset="0"/>
+              <a:cs typeface="Times New Roman" panose="02020603050405020304" pitchFamily="18" charset="0"/>
             </a:endParaRPr>
-          </a:p>
-          <a:p>
-            <a:endParaRPr lang="en-IN" dirty="0"/>
           </a:p>
         </p:txBody>
       </p:sp>
@@ -7170,7 +6295,7 @@
         <p:spPr/>
         <p:txBody>
           <a:bodyPr>
-            <a:normAutofit fontScale="90000"/>
+            <a:normAutofit/>
           </a:bodyPr>
           <a:lstStyle/>
           <a:p>
@@ -7184,73 +6309,6 @@
                 <a:cs typeface="Times New Roman" panose="02020603050405020304" pitchFamily="18" charset="0"/>
               </a:rPr>
               <a:t>Methodolgy</a:t>
-            </a:r>
-            <a:br>
-              <a:rPr lang="en" sz="2500" dirty="0">
-                <a:solidFill>
-                  <a:srgbClr val="002060"/>
-                </a:solidFill>
-                <a:latin typeface="Times New Roman" panose="02020603050405020304" pitchFamily="18" charset="0"/>
-                <a:cs typeface="Times New Roman" panose="02020603050405020304" pitchFamily="18" charset="0"/>
-              </a:rPr>
-            </a:br>
-            <a:r>
-              <a:rPr lang="en" sz="2500" dirty="0">
-                <a:solidFill>
-                  <a:srgbClr val="002060"/>
-                </a:solidFill>
-                <a:latin typeface="Times New Roman" panose="02020603050405020304" pitchFamily="18" charset="0"/>
-                <a:cs typeface="Times New Roman" panose="02020603050405020304" pitchFamily="18" charset="0"/>
-              </a:rPr>
-              <a:t>				 </a:t>
-            </a:r>
-            <a:r>
-              <a:rPr lang="en" sz="1200" dirty="0">
-                <a:solidFill>
-                  <a:srgbClr val="002060"/>
-                </a:solidFill>
-                <a:latin typeface="Times New Roman" panose="02020603050405020304" pitchFamily="18" charset="0"/>
-                <a:cs typeface="Times New Roman" panose="02020603050405020304" pitchFamily="18" charset="0"/>
-              </a:rPr>
-              <a:t>Font: Times New roman</a:t>
-            </a:r>
-            <a:br>
-              <a:rPr lang="en" sz="1200" dirty="0">
-                <a:solidFill>
-                  <a:srgbClr val="002060"/>
-                </a:solidFill>
-                <a:latin typeface="Times New Roman" panose="02020603050405020304" pitchFamily="18" charset="0"/>
-                <a:cs typeface="Times New Roman" panose="02020603050405020304" pitchFamily="18" charset="0"/>
-              </a:rPr>
-            </a:br>
-            <a:r>
-              <a:rPr lang="en" sz="1200" dirty="0">
-                <a:solidFill>
-                  <a:srgbClr val="002060"/>
-                </a:solidFill>
-                <a:latin typeface="Times New Roman" panose="02020603050405020304" pitchFamily="18" charset="0"/>
-                <a:cs typeface="Times New Roman" panose="02020603050405020304" pitchFamily="18" charset="0"/>
-              </a:rPr>
-              <a:t>				  Size:28</a:t>
-            </a:r>
-            <a:br>
-              <a:rPr lang="en" sz="1200" dirty="0">
-                <a:solidFill>
-                  <a:srgbClr val="002060"/>
-                </a:solidFill>
-                <a:latin typeface="Times New Roman" panose="02020603050405020304" pitchFamily="18" charset="0"/>
-                <a:cs typeface="Times New Roman" panose="02020603050405020304" pitchFamily="18" charset="0"/>
-              </a:rPr>
-            </a:br>
-            <a:r>
-              <a:rPr lang="en" sz="1200" dirty="0">
-                <a:solidFill>
-                  <a:srgbClr val="002060"/>
-                </a:solidFill>
-                <a:latin typeface="Times New Roman" panose="02020603050405020304" pitchFamily="18" charset="0"/>
-                <a:cs typeface="Times New Roman" panose="02020603050405020304" pitchFamily="18" charset="0"/>
-              </a:rPr>
-              <a:t>				  alignment: Left</a:t>
             </a:r>
             <a:endParaRPr lang="en-IN" sz="2500" dirty="0">
               <a:solidFill>
@@ -7280,217 +6338,149 @@
         </p:nvSpPr>
         <p:spPr/>
         <p:txBody>
-          <a:bodyPr/>
-          <a:lstStyle/>
-          <a:p>
-            <a:pPr marL="0" marR="0" lvl="0" indent="0" algn="l" defTabSz="914400" rtl="0" eaLnBrk="1" fontAlgn="auto" latinLnBrk="0" hangingPunct="1">
-              <a:lnSpc>
-                <a:spcPct val="100000"/>
-              </a:lnSpc>
+          <a:bodyPr>
+            <a:normAutofit/>
+          </a:bodyPr>
+          <a:lstStyle/>
+          <a:p>
+            <a:pPr marL="342900" lvl="0" indent="-342900">
               <a:spcBef>
-                <a:spcPts val="1000"/>
+                <a:spcPts val="250"/>
               </a:spcBef>
-              <a:spcAft>
-                <a:spcPts val="0"/>
-              </a:spcAft>
-              <a:buClr>
-                <a:srgbClr val="9BAFB5"/>
-              </a:buClr>
-              <a:buSzTx/>
-              <a:buFont typeface="Arial" panose="020B0604020202020204" pitchFamily="34" charset="0"/>
-              <a:buNone/>
-              <a:tabLst/>
-              <a:defRPr/>
+              <a:buFont typeface="+mj-lt"/>
+              <a:buAutoNum type="arabicPeriod"/>
             </a:pPr>
             <a:r>
-              <a:rPr kumimoji="0" lang="en" sz="1800" b="0" i="0" u="none" strike="noStrike" kern="1200" cap="none" spc="0" normalizeH="0" baseline="0" noProof="0" dirty="0">
-                <a:ln>
-                  <a:noFill/>
-                </a:ln>
-                <a:solidFill>
-                  <a:srgbClr val="002060"/>
-                </a:solidFill>
+              <a:rPr lang="en-US" sz="1800" dirty="0">
                 <a:effectLst/>
-                <a:uLnTx/>
-                <a:uFillTx/>
-                <a:latin typeface="Times New Roman" panose="02020603050405020304" pitchFamily="18" charset="0"/>
-                <a:ea typeface="+mn-ea"/>
-                <a:cs typeface="Times New Roman" panose="02020603050405020304" pitchFamily="18" charset="0"/>
-              </a:rPr>
-              <a:t>Font: Times New Roman</a:t>
-            </a:r>
-          </a:p>
-          <a:p>
-            <a:pPr marL="0" marR="0" lvl="0" indent="0" algn="l" defTabSz="914400" rtl="0" eaLnBrk="1" fontAlgn="auto" latinLnBrk="0" hangingPunct="1">
-              <a:lnSpc>
-                <a:spcPct val="100000"/>
-              </a:lnSpc>
+                <a:latin typeface="Times New Roman" panose="02020603050405020304" pitchFamily="18" charset="0"/>
+                <a:ea typeface="Calibri" panose="020F0502020204030204" pitchFamily="34" charset="0"/>
+              </a:rPr>
+              <a:t>Research: Gather stakeholder input and market insights to shape </a:t>
+            </a:r>
+            <a:r>
+              <a:rPr lang="en-US" sz="1800" dirty="0" err="1">
+                <a:effectLst/>
+                <a:latin typeface="Times New Roman" panose="02020603050405020304" pitchFamily="18" charset="0"/>
+                <a:ea typeface="Calibri" panose="020F0502020204030204" pitchFamily="34" charset="0"/>
+              </a:rPr>
+              <a:t>GATE.app</a:t>
+            </a:r>
+            <a:r>
+              <a:rPr lang="en-US" sz="1800" dirty="0">
+                <a:effectLst/>
+                <a:latin typeface="Times New Roman" panose="02020603050405020304" pitchFamily="18" charset="0"/>
+                <a:ea typeface="Calibri" panose="020F0502020204030204" pitchFamily="34" charset="0"/>
+              </a:rPr>
+              <a:t> features.</a:t>
+            </a:r>
+          </a:p>
+          <a:p>
+            <a:pPr marL="342900" lvl="0" indent="-342900">
               <a:spcBef>
-                <a:spcPts val="1000"/>
+                <a:spcPts val="250"/>
               </a:spcBef>
-              <a:spcAft>
-                <a:spcPts val="0"/>
-              </a:spcAft>
-              <a:buClr>
-                <a:srgbClr val="9BAFB5"/>
-              </a:buClr>
-              <a:buSzTx/>
-              <a:buFont typeface="Arial" panose="020B0604020202020204" pitchFamily="34" charset="0"/>
-              <a:buNone/>
-              <a:tabLst/>
-              <a:defRPr/>
+              <a:buFont typeface="+mj-lt"/>
+              <a:buAutoNum type="arabicPeriod"/>
             </a:pPr>
             <a:r>
-              <a:rPr kumimoji="0" lang="en" sz="1800" b="0" i="0" u="none" strike="noStrike" kern="1200" cap="none" spc="0" normalizeH="0" baseline="0" noProof="0" dirty="0">
-                <a:ln>
-                  <a:noFill/>
-                </a:ln>
-                <a:solidFill>
-                  <a:srgbClr val="002060"/>
-                </a:solidFill>
+              <a:rPr lang="en-US" sz="1800" dirty="0">
                 <a:effectLst/>
-                <a:uLnTx/>
-                <a:uFillTx/>
-                <a:latin typeface="Times New Roman" panose="02020603050405020304" pitchFamily="18" charset="0"/>
-                <a:ea typeface="+mn-ea"/>
-                <a:cs typeface="Times New Roman" panose="02020603050405020304" pitchFamily="18" charset="0"/>
-              </a:rPr>
-              <a:t>Size:18</a:t>
-            </a:r>
-          </a:p>
-          <a:p>
-            <a:pPr marL="0" marR="0" lvl="0" indent="0" algn="l" defTabSz="914400" rtl="0" eaLnBrk="1" fontAlgn="auto" latinLnBrk="0" hangingPunct="1">
-              <a:lnSpc>
-                <a:spcPct val="100000"/>
-              </a:lnSpc>
+                <a:latin typeface="Times New Roman" panose="02020603050405020304" pitchFamily="18" charset="0"/>
+                <a:ea typeface="Calibri" panose="020F0502020204030204" pitchFamily="34" charset="0"/>
+              </a:rPr>
+              <a:t>Tech Tools: Choose HTML/CSS, JavaScript, and Python frameworks for user-friendly design.</a:t>
+            </a:r>
+          </a:p>
+          <a:p>
+            <a:pPr marL="342900" lvl="0" indent="-342900">
               <a:spcBef>
-                <a:spcPts val="1000"/>
+                <a:spcPts val="250"/>
               </a:spcBef>
-              <a:spcAft>
-                <a:spcPts val="0"/>
-              </a:spcAft>
-              <a:buClr>
-                <a:srgbClr val="9BAFB5"/>
-              </a:buClr>
-              <a:buSzTx/>
-              <a:buFont typeface="Arial" panose="020B0604020202020204" pitchFamily="34" charset="0"/>
-              <a:buNone/>
-              <a:tabLst/>
-              <a:defRPr/>
+              <a:buFont typeface="+mj-lt"/>
+              <a:buAutoNum type="arabicPeriod"/>
             </a:pPr>
             <a:r>
-              <a:rPr kumimoji="0" lang="en" sz="1800" b="0" i="0" u="none" strike="noStrike" kern="1200" cap="none" spc="0" normalizeH="0" baseline="0" noProof="0" dirty="0">
-                <a:ln>
-                  <a:noFill/>
-                </a:ln>
-                <a:solidFill>
-                  <a:srgbClr val="002060"/>
-                </a:solidFill>
+              <a:rPr lang="en-US" sz="1800" dirty="0">
                 <a:effectLst/>
-                <a:uLnTx/>
-                <a:uFillTx/>
-                <a:latin typeface="Times New Roman" panose="02020603050405020304" pitchFamily="18" charset="0"/>
-                <a:ea typeface="+mn-ea"/>
-                <a:cs typeface="Times New Roman" panose="02020603050405020304" pitchFamily="18" charset="0"/>
-              </a:rPr>
-              <a:t>Alignment: Justify</a:t>
-            </a:r>
-          </a:p>
-          <a:p>
-            <a:pPr marL="0" marR="0" lvl="0" indent="0" algn="l" defTabSz="914400" rtl="0" eaLnBrk="1" fontAlgn="auto" latinLnBrk="0" hangingPunct="1">
-              <a:lnSpc>
-                <a:spcPct val="100000"/>
-              </a:lnSpc>
+                <a:latin typeface="Times New Roman" panose="02020603050405020304" pitchFamily="18" charset="0"/>
+                <a:ea typeface="Calibri" panose="020F0502020204030204" pitchFamily="34" charset="0"/>
+              </a:rPr>
+              <a:t>Provide recommendation and analysis on the basis of visualization.</a:t>
+            </a:r>
+          </a:p>
+          <a:p>
+            <a:pPr marL="342900" lvl="0" indent="-342900">
               <a:spcBef>
-                <a:spcPts val="1000"/>
+                <a:spcPts val="250"/>
               </a:spcBef>
-              <a:spcAft>
-                <a:spcPts val="0"/>
-              </a:spcAft>
-              <a:buClr>
-                <a:srgbClr val="9BAFB5"/>
-              </a:buClr>
-              <a:buSzTx/>
-              <a:buFont typeface="Arial" panose="020B0604020202020204" pitchFamily="34" charset="0"/>
-              <a:buNone/>
-              <a:tabLst/>
-              <a:defRPr/>
+              <a:buFont typeface="+mj-lt"/>
+              <a:buAutoNum type="arabicPeriod"/>
             </a:pPr>
             <a:r>
-              <a:rPr kumimoji="0" lang="en" sz="1800" b="0" i="0" u="none" strike="noStrike" kern="1200" cap="none" spc="0" normalizeH="0" baseline="0" noProof="0" dirty="0">
-                <a:ln>
-                  <a:noFill/>
-                </a:ln>
-                <a:solidFill>
-                  <a:srgbClr val="002060"/>
-                </a:solidFill>
+              <a:rPr lang="en-US" sz="1800" dirty="0">
                 <a:effectLst/>
-                <a:uLnTx/>
-                <a:uFillTx/>
-                <a:latin typeface="Times New Roman" panose="02020603050405020304" pitchFamily="18" charset="0"/>
-                <a:ea typeface="+mn-ea"/>
-                <a:cs typeface="Times New Roman" panose="02020603050405020304" pitchFamily="18" charset="0"/>
-              </a:rPr>
-              <a:t>Line spaceing: 1.0</a:t>
-            </a:r>
-          </a:p>
-          <a:p>
-            <a:pPr marL="0" marR="0" lvl="0" indent="0" algn="l" defTabSz="914400" rtl="0" eaLnBrk="1" fontAlgn="auto" latinLnBrk="0" hangingPunct="1">
-              <a:lnSpc>
-                <a:spcPct val="100000"/>
-              </a:lnSpc>
+                <a:latin typeface="Times New Roman" panose="02020603050405020304" pitchFamily="18" charset="0"/>
+                <a:ea typeface="Calibri" panose="020F0502020204030204" pitchFamily="34" charset="0"/>
+              </a:rPr>
+              <a:t>Predictive Models: Create models to anticipate exam topics, aiding focused preparation.</a:t>
+            </a:r>
+          </a:p>
+          <a:p>
+            <a:pPr marL="342900" lvl="0" indent="-342900">
               <a:spcBef>
-                <a:spcPts val="1000"/>
+                <a:spcPts val="250"/>
               </a:spcBef>
-              <a:spcAft>
-                <a:spcPts val="0"/>
-              </a:spcAft>
-              <a:buClr>
-                <a:srgbClr val="9BAFB5"/>
-              </a:buClr>
-              <a:buSzTx/>
-              <a:buFont typeface="Arial" panose="020B0604020202020204" pitchFamily="34" charset="0"/>
-              <a:buNone/>
-              <a:tabLst/>
-              <a:defRPr/>
+              <a:buFont typeface="+mj-lt"/>
+              <a:buAutoNum type="arabicPeriod"/>
             </a:pPr>
             <a:r>
-              <a:rPr kumimoji="0" lang="en" sz="1800" b="0" i="0" u="none" strike="noStrike" kern="1200" cap="none" spc="0" normalizeH="0" baseline="0" noProof="0" dirty="0">
-                <a:ln>
-                  <a:noFill/>
-                </a:ln>
-                <a:solidFill>
-                  <a:srgbClr val="002060"/>
-                </a:solidFill>
+              <a:rPr lang="en-US" sz="1800" dirty="0">
                 <a:effectLst/>
-                <a:uLnTx/>
-                <a:uFillTx/>
-                <a:latin typeface="Times New Roman" panose="02020603050405020304" pitchFamily="18" charset="0"/>
-                <a:ea typeface="+mn-ea"/>
-                <a:cs typeface="Times New Roman" panose="02020603050405020304" pitchFamily="18" charset="0"/>
-              </a:rPr>
-              <a:t>Statement: With proper bullets.</a:t>
-            </a:r>
-            <a:endParaRPr kumimoji="0" lang="en-IN" sz="1800" b="0" i="0" u="none" strike="noStrike" kern="1200" cap="none" spc="0" normalizeH="0" baseline="0" noProof="0" dirty="0">
-              <a:ln>
-                <a:noFill/>
-              </a:ln>
-              <a:solidFill>
-                <a:srgbClr val="000000">
-                  <a:lumMod val="85000"/>
-                  <a:lumOff val="15000"/>
-                </a:srgbClr>
-              </a:solidFill>
+                <a:latin typeface="Times New Roman" panose="02020603050405020304" pitchFamily="18" charset="0"/>
+                <a:ea typeface="Calibri" panose="020F0502020204030204" pitchFamily="34" charset="0"/>
+              </a:rPr>
+              <a:t>Testing: Conduct rigorous tests for reliability, scalability, and security.</a:t>
+            </a:r>
+          </a:p>
+          <a:p>
+            <a:pPr marL="342900" lvl="0" indent="-342900">
+              <a:spcBef>
+                <a:spcPts val="250"/>
+              </a:spcBef>
+              <a:buFont typeface="+mj-lt"/>
+              <a:buAutoNum type="arabicPeriod"/>
+            </a:pPr>
+            <a:r>
+              <a:rPr lang="en-US" sz="1800" dirty="0">
+                <a:effectLst/>
+                <a:latin typeface="Times New Roman" panose="02020603050405020304" pitchFamily="18" charset="0"/>
+                <a:ea typeface="Calibri" panose="020F0502020204030204" pitchFamily="34" charset="0"/>
+              </a:rPr>
+              <a:t>Deployment: Establish hosting, pipelines, and CI/CD for seamless updates.</a:t>
+            </a:r>
+          </a:p>
+          <a:p>
+            <a:pPr marL="342900" lvl="0" indent="-342900">
+              <a:spcBef>
+                <a:spcPts val="250"/>
+              </a:spcBef>
+              <a:buFont typeface="+mj-lt"/>
+              <a:buAutoNum type="arabicPeriod"/>
+            </a:pPr>
+            <a:r>
+              <a:rPr lang="en-US" sz="1800" dirty="0">
+                <a:effectLst/>
+                <a:latin typeface="Times New Roman" panose="02020603050405020304" pitchFamily="18" charset="0"/>
+                <a:ea typeface="Calibri" panose="020F0502020204030204" pitchFamily="34" charset="0"/>
+              </a:rPr>
+              <a:t>Feedback Loop: Collect user input for continuous platform refinement.</a:t>
+            </a:r>
+            <a:endParaRPr lang="en-IN" sz="1800" dirty="0">
               <a:effectLst/>
-              <a:uLnTx/>
-              <a:uFillTx/>
-              <a:latin typeface="Gill Sans MT" panose="020B0502020104020203"/>
-              <a:ea typeface="+mn-ea"/>
-              <a:cs typeface="+mn-cs"/>
+              <a:latin typeface="Calibri" panose="020F0502020204030204" pitchFamily="34" charset="0"/>
+              <a:ea typeface="Calibri" panose="020F0502020204030204" pitchFamily="34" charset="0"/>
             </a:endParaRPr>
-          </a:p>
-          <a:p>
-            <a:endParaRPr lang="en-IN" dirty="0"/>
           </a:p>
         </p:txBody>
       </p:sp>
@@ -7569,10 +6559,15 @@
             <p:ph type="title"/>
           </p:nvPr>
         </p:nvSpPr>
-        <p:spPr/>
+        <p:spPr>
+          <a:xfrm>
+            <a:off x="2231136" y="587619"/>
+            <a:ext cx="7729728" cy="1188720"/>
+          </a:xfrm>
+        </p:spPr>
         <p:txBody>
           <a:bodyPr>
-            <a:normAutofit fontScale="90000"/>
+            <a:normAutofit/>
           </a:bodyPr>
           <a:lstStyle/>
           <a:p>
@@ -7585,74 +6580,7 @@
                 <a:latin typeface="Times New Roman" panose="02020603050405020304" pitchFamily="18" charset="0"/>
                 <a:cs typeface="Times New Roman" panose="02020603050405020304" pitchFamily="18" charset="0"/>
               </a:rPr>
-              <a:t>UML Diagrams</a:t>
-            </a:r>
-            <a:br>
-              <a:rPr lang="en" sz="2500" dirty="0">
-                <a:solidFill>
-                  <a:srgbClr val="002060"/>
-                </a:solidFill>
-                <a:latin typeface="Times New Roman" panose="02020603050405020304" pitchFamily="18" charset="0"/>
-                <a:cs typeface="Times New Roman" panose="02020603050405020304" pitchFamily="18" charset="0"/>
-              </a:rPr>
-            </a:br>
-            <a:r>
-              <a:rPr lang="en" sz="2500" dirty="0">
-                <a:solidFill>
-                  <a:srgbClr val="002060"/>
-                </a:solidFill>
-                <a:latin typeface="Times New Roman" panose="02020603050405020304" pitchFamily="18" charset="0"/>
-                <a:cs typeface="Times New Roman" panose="02020603050405020304" pitchFamily="18" charset="0"/>
-              </a:rPr>
-              <a:t>				 </a:t>
-            </a:r>
-            <a:r>
-              <a:rPr lang="en" sz="1200" dirty="0">
-                <a:solidFill>
-                  <a:srgbClr val="002060"/>
-                </a:solidFill>
-                <a:latin typeface="Times New Roman" panose="02020603050405020304" pitchFamily="18" charset="0"/>
-                <a:cs typeface="Times New Roman" panose="02020603050405020304" pitchFamily="18" charset="0"/>
-              </a:rPr>
-              <a:t>Font: Times New roman</a:t>
-            </a:r>
-            <a:br>
-              <a:rPr lang="en" sz="1200" dirty="0">
-                <a:solidFill>
-                  <a:srgbClr val="002060"/>
-                </a:solidFill>
-                <a:latin typeface="Times New Roman" panose="02020603050405020304" pitchFamily="18" charset="0"/>
-                <a:cs typeface="Times New Roman" panose="02020603050405020304" pitchFamily="18" charset="0"/>
-              </a:rPr>
-            </a:br>
-            <a:r>
-              <a:rPr lang="en" sz="1200" dirty="0">
-                <a:solidFill>
-                  <a:srgbClr val="002060"/>
-                </a:solidFill>
-                <a:latin typeface="Times New Roman" panose="02020603050405020304" pitchFamily="18" charset="0"/>
-                <a:cs typeface="Times New Roman" panose="02020603050405020304" pitchFamily="18" charset="0"/>
-              </a:rPr>
-              <a:t>				  Size:28</a:t>
-            </a:r>
-            <a:br>
-              <a:rPr lang="en" sz="1200" dirty="0">
-                <a:solidFill>
-                  <a:srgbClr val="002060"/>
-                </a:solidFill>
-                <a:latin typeface="Times New Roman" panose="02020603050405020304" pitchFamily="18" charset="0"/>
-                <a:cs typeface="Times New Roman" panose="02020603050405020304" pitchFamily="18" charset="0"/>
-              </a:rPr>
-            </a:br>
-            <a:r>
-              <a:rPr lang="en" sz="1200" dirty="0">
-                <a:solidFill>
-                  <a:srgbClr val="002060"/>
-                </a:solidFill>
-                <a:latin typeface="Times New Roman" panose="02020603050405020304" pitchFamily="18" charset="0"/>
-                <a:cs typeface="Times New Roman" panose="02020603050405020304" pitchFamily="18" charset="0"/>
-              </a:rPr>
-              <a:t>				  alignment: Left</a:t>
+              <a:t>Diagram</a:t>
             </a:r>
             <a:endParaRPr lang="en-IN" sz="2500" dirty="0">
               <a:solidFill>
@@ -7664,238 +6592,41 @@
           </a:p>
         </p:txBody>
       </p:sp>
-      <p:sp>
-        <p:nvSpPr>
-          <p:cNvPr id="3" name="Content Placeholder 2">
+      <p:pic>
+        <p:nvPicPr>
+          <p:cNvPr id="6" name="Content Placeholder 5">
             <a:extLst>
               <a:ext uri="{FF2B5EF4-FFF2-40B4-BE49-F238E27FC236}">
-                <a16:creationId xmlns:a16="http://schemas.microsoft.com/office/drawing/2014/main" id="{C0F63152-5440-409C-B235-0BFB5974B06F}"/>
+                <a16:creationId xmlns:a16="http://schemas.microsoft.com/office/drawing/2014/main" id="{D9B1C3D8-20F8-0D16-7CE1-8BFBA102CCCA}"/>
               </a:ext>
             </a:extLst>
           </p:cNvPr>
-          <p:cNvSpPr>
-            <a:spLocks noGrp="1"/>
-          </p:cNvSpPr>
+          <p:cNvPicPr>
+            <a:picLocks noGrp="1" noChangeAspect="1"/>
+          </p:cNvPicPr>
           <p:nvPr>
             <p:ph idx="1"/>
           </p:nvPr>
-        </p:nvSpPr>
-        <p:spPr/>
-        <p:txBody>
-          <a:bodyPr/>
-          <a:lstStyle/>
-          <a:p>
-            <a:pPr marL="0" marR="0" lvl="0" indent="0" algn="l" defTabSz="914400" rtl="0" eaLnBrk="1" fontAlgn="auto" latinLnBrk="0" hangingPunct="1">
-              <a:lnSpc>
-                <a:spcPct val="100000"/>
-              </a:lnSpc>
-              <a:spcBef>
-                <a:spcPts val="1000"/>
-              </a:spcBef>
-              <a:spcAft>
-                <a:spcPts val="0"/>
-              </a:spcAft>
-              <a:buClr>
-                <a:srgbClr val="9BAFB5"/>
-              </a:buClr>
-              <a:buSzTx/>
-              <a:buFont typeface="Arial" panose="020B0604020202020204" pitchFamily="34" charset="0"/>
-              <a:buNone/>
-              <a:tabLst/>
-              <a:defRPr/>
-            </a:pPr>
-            <a:r>
-              <a:rPr kumimoji="0" lang="en" sz="1800" b="0" i="0" u="none" strike="noStrike" kern="1200" cap="none" spc="0" normalizeH="0" baseline="0" noProof="0" dirty="0">
-                <a:ln>
-                  <a:noFill/>
-                </a:ln>
-                <a:solidFill>
-                  <a:srgbClr val="002060"/>
-                </a:solidFill>
-                <a:effectLst/>
-                <a:uLnTx/>
-                <a:uFillTx/>
-                <a:latin typeface="Times New Roman" panose="02020603050405020304" pitchFamily="18" charset="0"/>
-                <a:ea typeface="+mn-ea"/>
-                <a:cs typeface="Times New Roman" panose="02020603050405020304" pitchFamily="18" charset="0"/>
-              </a:rPr>
-              <a:t>Font: Times New Roman</a:t>
-            </a:r>
-          </a:p>
-          <a:p>
-            <a:pPr marL="0" marR="0" lvl="0" indent="0" algn="l" defTabSz="914400" rtl="0" eaLnBrk="1" fontAlgn="auto" latinLnBrk="0" hangingPunct="1">
-              <a:lnSpc>
-                <a:spcPct val="100000"/>
-              </a:lnSpc>
-              <a:spcBef>
-                <a:spcPts val="1000"/>
-              </a:spcBef>
-              <a:spcAft>
-                <a:spcPts val="0"/>
-              </a:spcAft>
-              <a:buClr>
-                <a:srgbClr val="9BAFB5"/>
-              </a:buClr>
-              <a:buSzTx/>
-              <a:buFont typeface="Arial" panose="020B0604020202020204" pitchFamily="34" charset="0"/>
-              <a:buNone/>
-              <a:tabLst/>
-              <a:defRPr/>
-            </a:pPr>
-            <a:r>
-              <a:rPr kumimoji="0" lang="en" sz="1800" b="0" i="0" u="none" strike="noStrike" kern="1200" cap="none" spc="0" normalizeH="0" baseline="0" noProof="0" dirty="0">
-                <a:ln>
-                  <a:noFill/>
-                </a:ln>
-                <a:solidFill>
-                  <a:srgbClr val="002060"/>
-                </a:solidFill>
-                <a:effectLst/>
-                <a:uLnTx/>
-                <a:uFillTx/>
-                <a:latin typeface="Times New Roman" panose="02020603050405020304" pitchFamily="18" charset="0"/>
-                <a:ea typeface="+mn-ea"/>
-                <a:cs typeface="Times New Roman" panose="02020603050405020304" pitchFamily="18" charset="0"/>
-              </a:rPr>
-              <a:t>Size:18</a:t>
-            </a:r>
-          </a:p>
-          <a:p>
-            <a:pPr marL="0" marR="0" lvl="0" indent="0" algn="l" defTabSz="914400" rtl="0" eaLnBrk="1" fontAlgn="auto" latinLnBrk="0" hangingPunct="1">
-              <a:lnSpc>
-                <a:spcPct val="100000"/>
-              </a:lnSpc>
-              <a:spcBef>
-                <a:spcPts val="1000"/>
-              </a:spcBef>
-              <a:spcAft>
-                <a:spcPts val="0"/>
-              </a:spcAft>
-              <a:buClr>
-                <a:srgbClr val="9BAFB5"/>
-              </a:buClr>
-              <a:buSzTx/>
-              <a:buFont typeface="Arial" panose="020B0604020202020204" pitchFamily="34" charset="0"/>
-              <a:buNone/>
-              <a:tabLst/>
-              <a:defRPr/>
-            </a:pPr>
-            <a:r>
-              <a:rPr kumimoji="0" lang="en" sz="1800" b="0" i="0" u="none" strike="noStrike" kern="1200" cap="none" spc="0" normalizeH="0" baseline="0" noProof="0" dirty="0">
-                <a:ln>
-                  <a:noFill/>
-                </a:ln>
-                <a:solidFill>
-                  <a:srgbClr val="002060"/>
-                </a:solidFill>
-                <a:effectLst/>
-                <a:uLnTx/>
-                <a:uFillTx/>
-                <a:latin typeface="Times New Roman" panose="02020603050405020304" pitchFamily="18" charset="0"/>
-                <a:ea typeface="+mn-ea"/>
-                <a:cs typeface="Times New Roman" panose="02020603050405020304" pitchFamily="18" charset="0"/>
-              </a:rPr>
-              <a:t>Alignment: Justify</a:t>
-            </a:r>
-          </a:p>
-          <a:p>
-            <a:pPr marL="0" marR="0" lvl="0" indent="0" algn="l" defTabSz="914400" rtl="0" eaLnBrk="1" fontAlgn="auto" latinLnBrk="0" hangingPunct="1">
-              <a:lnSpc>
-                <a:spcPct val="100000"/>
-              </a:lnSpc>
-              <a:spcBef>
-                <a:spcPts val="1000"/>
-              </a:spcBef>
-              <a:spcAft>
-                <a:spcPts val="0"/>
-              </a:spcAft>
-              <a:buClr>
-                <a:srgbClr val="9BAFB5"/>
-              </a:buClr>
-              <a:buSzTx/>
-              <a:buFont typeface="Arial" panose="020B0604020202020204" pitchFamily="34" charset="0"/>
-              <a:buNone/>
-              <a:tabLst/>
-              <a:defRPr/>
-            </a:pPr>
-            <a:r>
-              <a:rPr kumimoji="0" lang="en" sz="1800" b="0" i="0" u="none" strike="noStrike" kern="1200" cap="none" spc="0" normalizeH="0" baseline="0" noProof="0" dirty="0">
-                <a:ln>
-                  <a:noFill/>
-                </a:ln>
-                <a:solidFill>
-                  <a:srgbClr val="002060"/>
-                </a:solidFill>
-                <a:effectLst/>
-                <a:uLnTx/>
-                <a:uFillTx/>
-                <a:latin typeface="Times New Roman" panose="02020603050405020304" pitchFamily="18" charset="0"/>
-                <a:ea typeface="+mn-ea"/>
-                <a:cs typeface="Times New Roman" panose="02020603050405020304" pitchFamily="18" charset="0"/>
-              </a:rPr>
-              <a:t>Line spaceing: 1.0</a:t>
-            </a:r>
-          </a:p>
-          <a:p>
-            <a:pPr marL="0" marR="0" lvl="0" indent="0" algn="l" defTabSz="914400" rtl="0" eaLnBrk="1" fontAlgn="auto" latinLnBrk="0" hangingPunct="1">
-              <a:lnSpc>
-                <a:spcPct val="100000"/>
-              </a:lnSpc>
-              <a:spcBef>
-                <a:spcPts val="1000"/>
-              </a:spcBef>
-              <a:spcAft>
-                <a:spcPts val="0"/>
-              </a:spcAft>
-              <a:buClr>
-                <a:srgbClr val="9BAFB5"/>
-              </a:buClr>
-              <a:buSzTx/>
-              <a:buFont typeface="Arial" panose="020B0604020202020204" pitchFamily="34" charset="0"/>
-              <a:buNone/>
-              <a:tabLst/>
-              <a:defRPr/>
-            </a:pPr>
-            <a:r>
-              <a:rPr kumimoji="0" lang="en" sz="1800" b="0" i="0" u="none" strike="noStrike" kern="1200" cap="none" spc="0" normalizeH="0" baseline="0" noProof="0" dirty="0">
-                <a:ln>
-                  <a:noFill/>
-                </a:ln>
-                <a:solidFill>
-                  <a:srgbClr val="002060"/>
-                </a:solidFill>
-                <a:effectLst/>
-                <a:uLnTx/>
-                <a:uFillTx/>
-                <a:latin typeface="Times New Roman" panose="02020603050405020304" pitchFamily="18" charset="0"/>
-                <a:ea typeface="+mn-ea"/>
-                <a:cs typeface="Times New Roman" panose="02020603050405020304" pitchFamily="18" charset="0"/>
-              </a:rPr>
-              <a:t>Statement: With proper bullets.</a:t>
-            </a:r>
-            <a:endParaRPr kumimoji="0" lang="en-IN" sz="1800" b="0" i="0" u="none" strike="noStrike" kern="1200" cap="none" spc="0" normalizeH="0" baseline="0" noProof="0" dirty="0">
-              <a:ln>
-                <a:noFill/>
-              </a:ln>
-              <a:solidFill>
-                <a:srgbClr val="000000">
-                  <a:lumMod val="85000"/>
-                  <a:lumOff val="15000"/>
-                </a:srgbClr>
-              </a:solidFill>
-              <a:effectLst/>
-              <a:uLnTx/>
-              <a:uFillTx/>
-              <a:latin typeface="Gill Sans MT" panose="020B0502020104020203"/>
-              <a:ea typeface="+mn-ea"/>
-              <a:cs typeface="+mn-cs"/>
-            </a:endParaRPr>
-          </a:p>
-          <a:p>
-            <a:endParaRPr lang="en-IN" dirty="0"/>
-          </a:p>
-        </p:txBody>
-      </p:sp>
+        </p:nvPicPr>
+        <p:blipFill>
+          <a:blip r:embed="rId2">
+            <a:extLst>
+              <a:ext uri="{28A0092B-C50C-407E-A947-70E740481C1C}">
+                <a14:useLocalDpi xmlns:a14="http://schemas.microsoft.com/office/drawing/2010/main" val="0"/>
+              </a:ext>
+            </a:extLst>
+          </a:blip>
+          <a:stretch>
+            <a:fillRect/>
+          </a:stretch>
+        </p:blipFill>
+        <p:spPr>
+          <a:xfrm>
+            <a:off x="475205" y="2186204"/>
+            <a:ext cx="5342076" cy="4007605"/>
+          </a:xfrm>
+        </p:spPr>
+      </p:pic>
       <p:sp>
         <p:nvSpPr>
           <p:cNvPr id="4" name="Slide Number Placeholder 3">
@@ -7925,6 +6656,42 @@
           </a:p>
         </p:txBody>
       </p:sp>
+      <p:pic>
+        <p:nvPicPr>
+          <p:cNvPr id="9" name="Picture 8">
+            <a:extLst>
+              <a:ext uri="{FF2B5EF4-FFF2-40B4-BE49-F238E27FC236}">
+                <a16:creationId xmlns:a16="http://schemas.microsoft.com/office/drawing/2014/main" id="{69638ACA-621A-C9AE-45ED-2161D2A1ED6E}"/>
+              </a:ext>
+            </a:extLst>
+          </p:cNvPr>
+          <p:cNvPicPr>
+            <a:picLocks noChangeAspect="1"/>
+          </p:cNvPicPr>
+          <p:nvPr/>
+        </p:nvPicPr>
+        <p:blipFill>
+          <a:blip r:embed="rId3">
+            <a:extLst>
+              <a:ext uri="{28A0092B-C50C-407E-A947-70E740481C1C}">
+                <a14:useLocalDpi xmlns:a14="http://schemas.microsoft.com/office/drawing/2010/main" val="0"/>
+              </a:ext>
+            </a:extLst>
+          </a:blip>
+          <a:stretch>
+            <a:fillRect/>
+          </a:stretch>
+        </p:blipFill>
+        <p:spPr>
+          <a:xfrm>
+            <a:off x="4939645" y="2289946"/>
+            <a:ext cx="8267307" cy="4450173"/>
+          </a:xfrm>
+          <a:prstGeom prst="rect">
+            <a:avLst/>
+          </a:prstGeom>
+        </p:spPr>
+      </p:pic>
     </p:spTree>
     <p:extLst>
       <p:ext uri="{BB962C8B-B14F-4D97-AF65-F5344CB8AC3E}">
@@ -8074,14 +6841,14 @@
             <p:ph idx="1"/>
             <p:extLst>
               <p:ext uri="{D42A27DB-BD31-4B8C-83A1-F6EECF244321}">
-                <p14:modId xmlns:p14="http://schemas.microsoft.com/office/powerpoint/2010/main" val="2942942270"/>
+                <p14:modId xmlns:p14="http://schemas.microsoft.com/office/powerpoint/2010/main" val="2442157033"/>
               </p:ext>
             </p:extLst>
           </p:nvPr>
         </p:nvGraphicFramePr>
         <p:xfrm>
           <a:off x="2230438" y="2638424"/>
-          <a:ext cx="7729728" cy="3023236"/>
+          <a:ext cx="7729728" cy="2621916"/>
         </p:xfrm>
         <a:graphic>
           <a:graphicData uri="http://schemas.openxmlformats.org/drawingml/2006/table">
@@ -8148,7 +6915,7 @@
                         <a:defRPr/>
                       </a:pPr>
                       <a:r>
-                        <a:rPr kumimoji="0" lang="en" sz="1800" b="0" u="none" strike="noStrike" kern="1200" cap="none" spc="0" normalizeH="0" baseline="0" noProof="0" dirty="0">
+                        <a:rPr kumimoji="0" lang="en-IN" sz="1800" b="0" u="none" strike="noStrike" kern="1200" cap="none" spc="0" normalizeH="0" baseline="0" noProof="0" dirty="0">
                           <a:ln>
                             <a:noFill/>
                           </a:ln>
@@ -8161,7 +6928,73 @@
                           <a:latin typeface="Times New Roman" panose="02020603050405020304" pitchFamily="18" charset="0"/>
                           <a:cs typeface="Times New Roman" panose="02020603050405020304" pitchFamily="18" charset="0"/>
                         </a:rPr>
-                        <a:t>Font: Times New Roman</a:t>
+                        <a:t>Frontend: HTML, CSS, </a:t>
+                      </a:r>
+                      <a:r>
+                        <a:rPr kumimoji="0" lang="en-IN" sz="1800" b="0" u="none" strike="noStrike" kern="1200" cap="none" spc="0" normalizeH="0" baseline="0" noProof="0" dirty="0" err="1">
+                          <a:ln>
+                            <a:noFill/>
+                          </a:ln>
+                          <a:solidFill>
+                            <a:srgbClr val="002060"/>
+                          </a:solidFill>
+                          <a:effectLst/>
+                          <a:uLnTx/>
+                          <a:uFillTx/>
+                          <a:latin typeface="Times New Roman" panose="02020603050405020304" pitchFamily="18" charset="0"/>
+                          <a:cs typeface="Times New Roman" panose="02020603050405020304" pitchFamily="18" charset="0"/>
+                        </a:rPr>
+                        <a:t>ReactJs</a:t>
+                      </a:r>
+                      <a:endParaRPr kumimoji="0" lang="en-IN" sz="1800" b="0" u="none" strike="noStrike" kern="1200" cap="none" spc="0" normalizeH="0" baseline="0" noProof="0" dirty="0">
+                        <a:ln>
+                          <a:noFill/>
+                        </a:ln>
+                        <a:solidFill>
+                          <a:srgbClr val="002060"/>
+                        </a:solidFill>
+                        <a:effectLst/>
+                        <a:uLnTx/>
+                        <a:uFillTx/>
+                        <a:latin typeface="Times New Roman" panose="02020603050405020304" pitchFamily="18" charset="0"/>
+                        <a:cs typeface="Times New Roman" panose="02020603050405020304" pitchFamily="18" charset="0"/>
+                      </a:endParaRPr>
+                    </a:p>
+                    <a:p>
+                      <a:pPr marL="0" marR="0" lvl="0" indent="0" algn="l" defTabSz="914400" rtl="0" eaLnBrk="1" fontAlgn="auto" latinLnBrk="0" hangingPunct="1">
+                        <a:lnSpc>
+                          <a:spcPct val="100000"/>
+                        </a:lnSpc>
+                        <a:spcBef>
+                          <a:spcPts val="1000"/>
+                        </a:spcBef>
+                        <a:spcAft>
+                          <a:spcPts val="0"/>
+                        </a:spcAft>
+                        <a:buClr>
+                          <a:srgbClr val="9BAFB5"/>
+                        </a:buClr>
+                        <a:buSzTx/>
+                        <a:buFont typeface="Arial" panose="020B0604020202020204" pitchFamily="34" charset="0"/>
+                        <a:buNone/>
+                        <a:tabLst/>
+                        <a:defRPr/>
+                      </a:pPr>
+                      <a:r>
+                        <a:rPr kumimoji="0" lang="en-IN" sz="1800" b="0" u="none" strike="noStrike" kern="1200" cap="none" spc="0" normalizeH="0" baseline="0" noProof="0" dirty="0">
+                          <a:ln>
+                            <a:noFill/>
+                          </a:ln>
+                          <a:solidFill>
+                            <a:srgbClr val="002060"/>
+                          </a:solidFill>
+                          <a:effectLst/>
+                          <a:uLnTx/>
+                          <a:uFillTx/>
+                          <a:latin typeface="Times New Roman" panose="02020603050405020304" pitchFamily="18" charset="0"/>
+                          <a:cs typeface="Times New Roman" panose="02020603050405020304" pitchFamily="18" charset="0"/>
+                        </a:rPr>
+                        <a:t>Backend: Nodejs, Python</a:t>
                       </a:r>
                     </a:p>
                     <a:p>
@@ -8185,7 +7018,7 @@
                         <a:defRPr/>
                       </a:pPr>
                       <a:r>
-                        <a:rPr kumimoji="0" lang="en" sz="1800" b="0" u="none" strike="noStrike" kern="1200" cap="none" spc="0" normalizeH="0" baseline="0" noProof="0" dirty="0">
+                        <a:rPr kumimoji="0" lang="en-IN" sz="1800" b="0" u="none" strike="noStrike" kern="1200" cap="none" spc="0" normalizeH="0" baseline="0" noProof="0" dirty="0">
                           <a:ln>
                             <a:noFill/>
                           </a:ln>
@@ -8198,7 +7031,7 @@
                           <a:latin typeface="Times New Roman" panose="02020603050405020304" pitchFamily="18" charset="0"/>
                           <a:cs typeface="Times New Roman" panose="02020603050405020304" pitchFamily="18" charset="0"/>
                         </a:rPr>
-                        <a:t>Size:18</a:t>
+                        <a:t>Database: MongoDB</a:t>
                       </a:r>
                     </a:p>
                     <a:p>
@@ -8222,7 +7055,7 @@
                         <a:defRPr/>
                       </a:pPr>
                       <a:r>
-                        <a:rPr kumimoji="0" lang="en" sz="1800" b="0" u="none" strike="noStrike" kern="1200" cap="none" spc="0" normalizeH="0" baseline="0" noProof="0" dirty="0">
+                        <a:rPr kumimoji="0" lang="en-IN" sz="1800" b="0" u="none" strike="noStrike" kern="1200" cap="none" spc="0" normalizeH="0" baseline="0" noProof="0" dirty="0">
                           <a:ln>
                             <a:noFill/>
                           </a:ln>
@@ -8235,31 +7068,10 @@
                           <a:latin typeface="Times New Roman" panose="02020603050405020304" pitchFamily="18" charset="0"/>
                           <a:cs typeface="Times New Roman" panose="02020603050405020304" pitchFamily="18" charset="0"/>
                         </a:rPr>
-                        <a:t>Alignment: Justify</a:t>
+                        <a:t>Machine Learning: </a:t>
                       </a:r>
-                    </a:p>
-                    <a:p>
-                      <a:pPr marL="0" marR="0" lvl="0" indent="0" algn="l" defTabSz="914400" rtl="0" eaLnBrk="1" fontAlgn="auto" latinLnBrk="0" hangingPunct="1">
-                        <a:lnSpc>
-                          <a:spcPct val="100000"/>
-                        </a:lnSpc>
-                        <a:spcBef>
-                          <a:spcPts val="1000"/>
-                        </a:spcBef>
-                        <a:spcAft>
-                          <a:spcPts val="0"/>
-                        </a:spcAft>
-                        <a:buClr>
-                          <a:srgbClr val="9BAFB5"/>
-                        </a:buClr>
-                        <a:buSzTx/>
-                        <a:buFont typeface="Arial" panose="020B0604020202020204" pitchFamily="34" charset="0"/>
-                        <a:buNone/>
-                        <a:tabLst/>
-                        <a:defRPr/>
-                      </a:pPr>
                       <a:r>
-                        <a:rPr kumimoji="0" lang="en" sz="1800" b="0" u="none" strike="noStrike" kern="1200" cap="none" spc="0" normalizeH="0" baseline="0" noProof="0" dirty="0">
+                        <a:rPr kumimoji="0" lang="en-IN" sz="1800" b="0" u="none" strike="noStrike" kern="1200" cap="none" spc="0" normalizeH="0" baseline="0" noProof="0" dirty="0" err="1">
                           <a:ln>
                             <a:noFill/>
                           </a:ln>
@@ -8272,44 +7084,7 @@
                           <a:latin typeface="Times New Roman" panose="02020603050405020304" pitchFamily="18" charset="0"/>
                           <a:cs typeface="Times New Roman" panose="02020603050405020304" pitchFamily="18" charset="0"/>
                         </a:rPr>
-                        <a:t>Line spaceing: 1.0</a:t>
-                      </a:r>
-                    </a:p>
-                    <a:p>
-                      <a:pPr marL="0" marR="0" lvl="0" indent="0" algn="l" defTabSz="914400" rtl="0" eaLnBrk="1" fontAlgn="auto" latinLnBrk="0" hangingPunct="1">
-                        <a:lnSpc>
-                          <a:spcPct val="100000"/>
-                        </a:lnSpc>
-                        <a:spcBef>
-                          <a:spcPts val="1000"/>
-                        </a:spcBef>
-                        <a:spcAft>
-                          <a:spcPts val="0"/>
-                        </a:spcAft>
-                        <a:buClr>
-                          <a:srgbClr val="9BAFB5"/>
-                        </a:buClr>
-                        <a:buSzTx/>
-                        <a:buFont typeface="Arial" panose="020B0604020202020204" pitchFamily="34" charset="0"/>
-                        <a:buNone/>
-                        <a:tabLst/>
-                        <a:defRPr/>
-                      </a:pPr>
-                      <a:r>
-                        <a:rPr kumimoji="0" lang="en" sz="1800" b="0" u="none" strike="noStrike" kern="1200" cap="none" spc="0" normalizeH="0" baseline="0" noProof="0" dirty="0">
-                          <a:ln>
-                            <a:noFill/>
-                          </a:ln>
-                          <a:solidFill>
-                            <a:srgbClr val="002060"/>
-                          </a:solidFill>
-                          <a:effectLst/>
-                          <a:uLnTx/>
-                          <a:uFillTx/>
-                          <a:latin typeface="Times New Roman" panose="02020603050405020304" pitchFamily="18" charset="0"/>
-                          <a:cs typeface="Times New Roman" panose="02020603050405020304" pitchFamily="18" charset="0"/>
-                        </a:rPr>
-                        <a:t>Statement: With proper bullets.</a:t>
+                        <a:t>RandomForest</a:t>
                       </a:r>
                       <a:endParaRPr kumimoji="0" lang="en-IN" sz="1800" b="0" u="none" strike="noStrike" kern="1200" cap="none" spc="0" normalizeH="0" baseline="0" noProof="0" dirty="0">
                         <a:ln>
@@ -8422,7 +7197,7 @@
         <p:spPr/>
         <p:txBody>
           <a:bodyPr>
-            <a:normAutofit fontScale="90000"/>
+            <a:normAutofit/>
           </a:bodyPr>
           <a:lstStyle/>
           <a:p>
@@ -8446,71 +7221,6 @@
                 <a:cs typeface="Times New Roman" panose="02020603050405020304" pitchFamily="18" charset="0"/>
               </a:rPr>
               <a:t>mplementation/results</a:t>
-            </a:r>
-            <a:br>
-              <a:rPr lang="en" dirty="0">
-                <a:solidFill>
-                  <a:srgbClr val="002060"/>
-                </a:solidFill>
-                <a:latin typeface="+mn-lt"/>
-              </a:rPr>
-            </a:br>
-            <a:r>
-              <a:rPr lang="en" dirty="0">
-                <a:solidFill>
-                  <a:srgbClr val="002060"/>
-                </a:solidFill>
-                <a:latin typeface="+mn-lt"/>
-              </a:rPr>
-              <a:t>			         </a:t>
-            </a:r>
-            <a:r>
-              <a:rPr lang="en" sz="1200" dirty="0">
-                <a:solidFill>
-                  <a:srgbClr val="002060"/>
-                </a:solidFill>
-                <a:latin typeface="Times New Roman" panose="02020603050405020304" pitchFamily="18" charset="0"/>
-                <a:cs typeface="Times New Roman" panose="02020603050405020304" pitchFamily="18" charset="0"/>
-              </a:rPr>
-              <a:t>Font: Times New roman</a:t>
-            </a:r>
-            <a:br>
-              <a:rPr lang="en" sz="1200" dirty="0">
-                <a:solidFill>
-                  <a:srgbClr val="002060"/>
-                </a:solidFill>
-                <a:latin typeface="Times New Roman" panose="02020603050405020304" pitchFamily="18" charset="0"/>
-                <a:cs typeface="Times New Roman" panose="02020603050405020304" pitchFamily="18" charset="0"/>
-              </a:rPr>
-            </a:br>
-            <a:r>
-              <a:rPr lang="en" sz="1200" dirty="0">
-                <a:solidFill>
-                  <a:srgbClr val="002060"/>
-                </a:solidFill>
-                <a:latin typeface="Times New Roman" panose="02020603050405020304" pitchFamily="18" charset="0"/>
-                <a:cs typeface="Times New Roman" panose="02020603050405020304" pitchFamily="18" charset="0"/>
-              </a:rPr>
-              <a:t>				  Size:28</a:t>
-            </a:r>
-            <a:br>
-              <a:rPr lang="en" sz="1200" dirty="0">
-                <a:solidFill>
-                  <a:srgbClr val="002060"/>
-                </a:solidFill>
-                <a:latin typeface="Times New Roman" panose="02020603050405020304" pitchFamily="18" charset="0"/>
-                <a:cs typeface="Times New Roman" panose="02020603050405020304" pitchFamily="18" charset="0"/>
-              </a:rPr>
-            </a:br>
-            <a:r>
-              <a:rPr lang="en" sz="1200" dirty="0">
-                <a:solidFill>
-                  <a:srgbClr val="002060"/>
-                </a:solidFill>
-                <a:latin typeface="Times New Roman" panose="02020603050405020304" pitchFamily="18" charset="0"/>
-                <a:cs typeface="Times New Roman" panose="02020603050405020304" pitchFamily="18" charset="0"/>
-              </a:rPr>
-              <a:t>				  alignment: Left</a:t>
             </a:r>
             <a:endParaRPr lang="en-IN" dirty="0"/>
           </a:p>
@@ -8534,292 +7244,178 @@
         </p:nvSpPr>
         <p:spPr/>
         <p:txBody>
-          <a:bodyPr/>
-          <a:lstStyle/>
-          <a:p>
-            <a:pPr marL="0" marR="0" lvl="0" indent="0" algn="l" defTabSz="914400" rtl="0" eaLnBrk="1" fontAlgn="auto" latinLnBrk="0" hangingPunct="1">
-              <a:lnSpc>
-                <a:spcPct val="100000"/>
-              </a:lnSpc>
+          <a:bodyPr>
+            <a:normAutofit fontScale="92500"/>
+          </a:bodyPr>
+          <a:lstStyle/>
+          <a:p>
+            <a:pPr marL="342900" lvl="0" indent="-342900" fontAlgn="base">
               <a:spcBef>
-                <a:spcPts val="1000"/>
+                <a:spcPts val="1200"/>
               </a:spcBef>
-              <a:spcAft>
-                <a:spcPts val="0"/>
-              </a:spcAft>
-              <a:buClr>
-                <a:srgbClr val="9BAFB5"/>
-              </a:buClr>
-              <a:buSzTx/>
-              <a:buFont typeface="Arial" panose="020B0604020202020204" pitchFamily="34" charset="0"/>
-              <a:buNone/>
-              <a:tabLst/>
-              <a:defRPr/>
+              <a:buSzPts val="1000"/>
+              <a:buFont typeface="Symbol" panose="05050102010706020507" pitchFamily="18" charset="2"/>
+              <a:buChar char=""/>
+              <a:tabLst>
+                <a:tab pos="457200" algn="l"/>
+              </a:tabLst>
             </a:pPr>
             <a:r>
-              <a:rPr kumimoji="0" lang="en-IN" sz="1800" b="0" i="0" u="none" strike="noStrike" kern="1200" cap="none" spc="0" normalizeH="0" baseline="0" noProof="0" dirty="0">
-                <a:ln>
-                  <a:noFill/>
-                </a:ln>
-                <a:solidFill>
-                  <a:srgbClr val="002060"/>
+              <a:rPr lang="en-IN" dirty="0">
+                <a:solidFill>
+                  <a:srgbClr val="000000"/>
                 </a:solidFill>
                 <a:effectLst/>
-                <a:uLnTx/>
-                <a:uFillTx/>
-                <a:latin typeface="Times New Roman" panose="02020603050405020304" pitchFamily="18" charset="0"/>
-                <a:ea typeface="+mn-ea"/>
+                <a:latin typeface="Times New Roman" panose="02020603050405020304" pitchFamily="18" charset="0"/>
+                <a:ea typeface="Times New Roman" panose="02020603050405020304" pitchFamily="18" charset="0"/>
+              </a:rPr>
+              <a:t>User-Friendly Web Portal Development:</a:t>
+            </a:r>
+            <a:endParaRPr lang="en-IN" dirty="0">
+              <a:effectLst/>
+              <a:latin typeface="Times New Roman" panose="02020603050405020304" pitchFamily="18" charset="0"/>
+              <a:ea typeface="Times New Roman" panose="02020603050405020304" pitchFamily="18" charset="0"/>
+            </a:endParaRPr>
+          </a:p>
+          <a:p>
+            <a:pPr marL="742950" lvl="1" indent="-285750" fontAlgn="base">
+              <a:spcBef>
+                <a:spcPts val="1200"/>
+              </a:spcBef>
+              <a:buSzPts val="1000"/>
+              <a:buFont typeface="Courier New" panose="02070309020205020404" pitchFamily="49" charset="0"/>
+              <a:buChar char="o"/>
+              <a:tabLst>
+                <a:tab pos="914400" algn="l"/>
+              </a:tabLst>
+            </a:pPr>
+            <a:r>
+              <a:rPr lang="en-IN" sz="1800" dirty="0">
+                <a:solidFill>
+                  <a:srgbClr val="000000"/>
+                </a:solidFill>
+                <a:effectLst/>
+                <a:latin typeface="Times New Roman" panose="02020603050405020304" pitchFamily="18" charset="0"/>
+                <a:ea typeface="Times New Roman" panose="02020603050405020304" pitchFamily="18" charset="0"/>
                 <a:cs typeface="Times New Roman" panose="02020603050405020304" pitchFamily="18" charset="0"/>
               </a:rPr>
-              <a:t>Diagram: Neat labelled diagram</a:t>
-            </a:r>
-          </a:p>
-          <a:p>
-            <a:pPr marL="0" marR="0" lvl="0" indent="0" algn="l" defTabSz="914400" rtl="0" eaLnBrk="1" fontAlgn="auto" latinLnBrk="0" hangingPunct="1">
-              <a:lnSpc>
-                <a:spcPct val="100000"/>
-              </a:lnSpc>
+              <a:t>Successfully developed a user-friendly web portal named </a:t>
+            </a:r>
+            <a:r>
+              <a:rPr lang="en-IN" sz="1800" dirty="0" err="1">
+                <a:solidFill>
+                  <a:srgbClr val="000000"/>
+                </a:solidFill>
+                <a:effectLst/>
+                <a:latin typeface="Times New Roman" panose="02020603050405020304" pitchFamily="18" charset="0"/>
+                <a:ea typeface="Times New Roman" panose="02020603050405020304" pitchFamily="18" charset="0"/>
+                <a:cs typeface="Times New Roman" panose="02020603050405020304" pitchFamily="18" charset="0"/>
+              </a:rPr>
+              <a:t>GATE.app</a:t>
+            </a:r>
+            <a:r>
+              <a:rPr lang="en-IN" sz="1800" dirty="0">
+                <a:solidFill>
+                  <a:srgbClr val="000000"/>
+                </a:solidFill>
+                <a:effectLst/>
+                <a:latin typeface="Times New Roman" panose="02020603050405020304" pitchFamily="18" charset="0"/>
+                <a:ea typeface="Times New Roman" panose="02020603050405020304" pitchFamily="18" charset="0"/>
+                <a:cs typeface="Times New Roman" panose="02020603050405020304" pitchFamily="18" charset="0"/>
+              </a:rPr>
+              <a:t> specifically tailored for GATE exam preparation.</a:t>
+            </a:r>
+            <a:endParaRPr lang="en-IN" sz="1800" dirty="0">
+              <a:effectLst/>
+              <a:latin typeface="Times New Roman" panose="02020603050405020304" pitchFamily="18" charset="0"/>
+              <a:ea typeface="Times New Roman" panose="02020603050405020304" pitchFamily="18" charset="0"/>
+              <a:cs typeface="Times New Roman" panose="02020603050405020304" pitchFamily="18" charset="0"/>
+            </a:endParaRPr>
+          </a:p>
+          <a:p>
+            <a:pPr marL="742950" lvl="1" indent="-285750" fontAlgn="base">
               <a:spcBef>
-                <a:spcPts val="1000"/>
+                <a:spcPts val="1200"/>
               </a:spcBef>
-              <a:spcAft>
-                <a:spcPts val="0"/>
-              </a:spcAft>
-              <a:buClr>
-                <a:srgbClr val="9BAFB5"/>
-              </a:buClr>
-              <a:buSzTx/>
-              <a:buFont typeface="Arial" panose="020B0604020202020204" pitchFamily="34" charset="0"/>
-              <a:buNone/>
-              <a:tabLst/>
-              <a:defRPr/>
+              <a:buSzPts val="1000"/>
+              <a:buFont typeface="Courier New" panose="02070309020205020404" pitchFamily="49" charset="0"/>
+              <a:buChar char="o"/>
+              <a:tabLst>
+                <a:tab pos="914400" algn="l"/>
+              </a:tabLst>
             </a:pPr>
             <a:r>
-              <a:rPr kumimoji="0" lang="en" sz="1800" b="0" i="0" u="none" strike="noStrike" kern="1200" cap="none" spc="0" normalizeH="0" baseline="0" noProof="0" dirty="0">
-                <a:ln>
-                  <a:noFill/>
-                </a:ln>
-                <a:solidFill>
-                  <a:srgbClr val="002060"/>
+              <a:rPr lang="en-IN" sz="1800" dirty="0">
+                <a:solidFill>
+                  <a:srgbClr val="000000"/>
                 </a:solidFill>
                 <a:effectLst/>
-                <a:uLnTx/>
-                <a:uFillTx/>
-                <a:latin typeface="Times New Roman" panose="02020603050405020304" pitchFamily="18" charset="0"/>
-                <a:ea typeface="+mn-ea"/>
+                <a:latin typeface="Times New Roman" panose="02020603050405020304" pitchFamily="18" charset="0"/>
+                <a:ea typeface="Times New Roman" panose="02020603050405020304" pitchFamily="18" charset="0"/>
                 <a:cs typeface="Times New Roman" panose="02020603050405020304" pitchFamily="18" charset="0"/>
               </a:rPr>
-              <a:t>Font: Times New Roman</a:t>
-            </a:r>
-          </a:p>
-          <a:p>
-            <a:pPr marL="0" marR="0" lvl="0" indent="0" algn="l" defTabSz="914400" rtl="0" eaLnBrk="1" fontAlgn="auto" latinLnBrk="0" hangingPunct="1">
-              <a:lnSpc>
-                <a:spcPct val="100000"/>
-              </a:lnSpc>
+              <a:t>The portal offers intuitive navigation, easy access to tests, and personalized recommendations, enhancing the overall user experience for aspirants.</a:t>
+            </a:r>
+            <a:endParaRPr lang="en-IN" sz="1800" dirty="0">
+              <a:effectLst/>
+              <a:latin typeface="Times New Roman" panose="02020603050405020304" pitchFamily="18" charset="0"/>
+              <a:ea typeface="Times New Roman" panose="02020603050405020304" pitchFamily="18" charset="0"/>
+              <a:cs typeface="Times New Roman" panose="02020603050405020304" pitchFamily="18" charset="0"/>
+            </a:endParaRPr>
+          </a:p>
+          <a:p>
+            <a:pPr marL="342900" lvl="0" indent="-342900" fontAlgn="base">
               <a:spcBef>
-                <a:spcPts val="1000"/>
+                <a:spcPts val="1200"/>
               </a:spcBef>
-              <a:spcAft>
-                <a:spcPts val="0"/>
-              </a:spcAft>
-              <a:buClr>
-                <a:srgbClr val="9BAFB5"/>
-              </a:buClr>
-              <a:buSzTx/>
-              <a:buFont typeface="Arial" panose="020B0604020202020204" pitchFamily="34" charset="0"/>
-              <a:buNone/>
-              <a:tabLst/>
-              <a:defRPr/>
+              <a:buSzPts val="1000"/>
+              <a:buFont typeface="Symbol" panose="05050102010706020507" pitchFamily="18" charset="2"/>
+              <a:buChar char=""/>
+              <a:tabLst>
+                <a:tab pos="457200" algn="l"/>
+              </a:tabLst>
             </a:pPr>
             <a:r>
-              <a:rPr kumimoji="0" lang="en" sz="1800" b="0" i="0" u="none" strike="noStrike" kern="1200" cap="none" spc="0" normalizeH="0" baseline="0" noProof="0" dirty="0">
-                <a:ln>
-                  <a:noFill/>
-                </a:ln>
-                <a:solidFill>
-                  <a:srgbClr val="002060"/>
+              <a:rPr lang="en-IN" dirty="0">
+                <a:solidFill>
+                  <a:srgbClr val="000000"/>
                 </a:solidFill>
                 <a:effectLst/>
-                <a:uLnTx/>
-                <a:uFillTx/>
-                <a:latin typeface="Times New Roman" panose="02020603050405020304" pitchFamily="18" charset="0"/>
-                <a:ea typeface="+mn-ea"/>
+                <a:latin typeface="Times New Roman" panose="02020603050405020304" pitchFamily="18" charset="0"/>
+                <a:ea typeface="Times New Roman" panose="02020603050405020304" pitchFamily="18" charset="0"/>
+              </a:rPr>
+              <a:t>Performance Analysis and Recommendations: </a:t>
+            </a:r>
+            <a:endParaRPr lang="en-IN" dirty="0">
+              <a:effectLst/>
+              <a:latin typeface="Times New Roman" panose="02020603050405020304" pitchFamily="18" charset="0"/>
+              <a:ea typeface="Times New Roman" panose="02020603050405020304" pitchFamily="18" charset="0"/>
+            </a:endParaRPr>
+          </a:p>
+          <a:p>
+            <a:pPr marL="742950" lvl="1" indent="-285750" fontAlgn="base">
+              <a:spcBef>
+                <a:spcPts val="1200"/>
+              </a:spcBef>
+              <a:buSzPts val="1000"/>
+              <a:buFont typeface="Courier New" panose="02070309020205020404" pitchFamily="49" charset="0"/>
+              <a:buChar char="o"/>
+              <a:tabLst>
+                <a:tab pos="914400" algn="l"/>
+              </a:tabLst>
+            </a:pPr>
+            <a:r>
+              <a:rPr lang="en-IN" sz="1800" dirty="0">
+                <a:solidFill>
+                  <a:srgbClr val="000000"/>
+                </a:solidFill>
+                <a:effectLst/>
+                <a:latin typeface="Times New Roman" panose="02020603050405020304" pitchFamily="18" charset="0"/>
+                <a:ea typeface="Times New Roman" panose="02020603050405020304" pitchFamily="18" charset="0"/>
                 <a:cs typeface="Times New Roman" panose="02020603050405020304" pitchFamily="18" charset="0"/>
               </a:rPr>
-              <a:t>Size:18</a:t>
-            </a:r>
-          </a:p>
-          <a:p>
-            <a:pPr marL="0" marR="0" lvl="0" indent="0" algn="l" defTabSz="914400" rtl="0" eaLnBrk="1" fontAlgn="auto" latinLnBrk="0" hangingPunct="1">
-              <a:lnSpc>
-                <a:spcPct val="100000"/>
-              </a:lnSpc>
-              <a:spcBef>
-                <a:spcPts val="1000"/>
-              </a:spcBef>
-              <a:spcAft>
-                <a:spcPts val="0"/>
-              </a:spcAft>
-              <a:buClr>
-                <a:srgbClr val="9BAFB5"/>
-              </a:buClr>
-              <a:buSzTx/>
-              <a:buFont typeface="Arial" panose="020B0604020202020204" pitchFamily="34" charset="0"/>
-              <a:buNone/>
-              <a:tabLst/>
-              <a:defRPr/>
-            </a:pPr>
-            <a:r>
-              <a:rPr kumimoji="0" lang="en" sz="1800" b="0" i="0" u="none" strike="noStrike" kern="1200" cap="none" spc="0" normalizeH="0" baseline="0" noProof="0" dirty="0">
-                <a:ln>
-                  <a:noFill/>
-                </a:ln>
-                <a:solidFill>
-                  <a:srgbClr val="002060"/>
-                </a:solidFill>
-                <a:effectLst/>
-                <a:uLnTx/>
-                <a:uFillTx/>
-                <a:latin typeface="Times New Roman" panose="02020603050405020304" pitchFamily="18" charset="0"/>
-                <a:ea typeface="+mn-ea"/>
-                <a:cs typeface="Times New Roman" panose="02020603050405020304" pitchFamily="18" charset="0"/>
-              </a:rPr>
-              <a:t>Alignment: Justify</a:t>
-            </a:r>
-          </a:p>
-          <a:p>
-            <a:pPr marL="0" marR="0" lvl="0" indent="0" algn="l" defTabSz="914400" rtl="0" eaLnBrk="1" fontAlgn="auto" latinLnBrk="0" hangingPunct="1">
-              <a:lnSpc>
-                <a:spcPct val="100000"/>
-              </a:lnSpc>
-              <a:spcBef>
-                <a:spcPts val="1000"/>
-              </a:spcBef>
-              <a:spcAft>
-                <a:spcPts val="0"/>
-              </a:spcAft>
-              <a:buClr>
-                <a:srgbClr val="9BAFB5"/>
-              </a:buClr>
-              <a:buSzTx/>
-              <a:buFont typeface="Arial" panose="020B0604020202020204" pitchFamily="34" charset="0"/>
-              <a:buNone/>
-              <a:tabLst/>
-              <a:defRPr/>
-            </a:pPr>
-            <a:r>
-              <a:rPr kumimoji="0" lang="en" sz="1800" b="0" i="0" u="none" strike="noStrike" kern="1200" cap="none" spc="0" normalizeH="0" baseline="0" noProof="0" dirty="0">
-                <a:ln>
-                  <a:noFill/>
-                </a:ln>
-                <a:solidFill>
-                  <a:srgbClr val="002060"/>
-                </a:solidFill>
-                <a:effectLst/>
-                <a:uLnTx/>
-                <a:uFillTx/>
-                <a:latin typeface="Times New Roman" panose="02020603050405020304" pitchFamily="18" charset="0"/>
-                <a:ea typeface="+mn-ea"/>
-                <a:cs typeface="Times New Roman" panose="02020603050405020304" pitchFamily="18" charset="0"/>
-              </a:rPr>
-              <a:t>Line spaceing: 1.0</a:t>
-            </a:r>
-          </a:p>
-          <a:p>
-            <a:pPr marL="0" marR="0" lvl="0" indent="0" algn="l" defTabSz="914400" rtl="0" eaLnBrk="1" fontAlgn="auto" latinLnBrk="0" hangingPunct="1">
-              <a:lnSpc>
-                <a:spcPct val="100000"/>
-              </a:lnSpc>
-              <a:spcBef>
-                <a:spcPts val="1000"/>
-              </a:spcBef>
-              <a:spcAft>
-                <a:spcPts val="0"/>
-              </a:spcAft>
-              <a:buClr>
-                <a:srgbClr val="9BAFB5"/>
-              </a:buClr>
-              <a:buSzTx/>
-              <a:buFont typeface="Arial" panose="020B0604020202020204" pitchFamily="34" charset="0"/>
-              <a:buNone/>
-              <a:tabLst/>
-              <a:defRPr/>
-            </a:pPr>
-            <a:r>
-              <a:rPr kumimoji="0" lang="en" sz="1800" b="0" i="0" u="none" strike="noStrike" kern="1200" cap="none" spc="0" normalizeH="0" baseline="0" noProof="0" dirty="0">
-                <a:ln>
-                  <a:noFill/>
-                </a:ln>
-                <a:solidFill>
-                  <a:srgbClr val="002060"/>
-                </a:solidFill>
-                <a:effectLst/>
-                <a:uLnTx/>
-                <a:uFillTx/>
-                <a:latin typeface="Times New Roman" panose="02020603050405020304" pitchFamily="18" charset="0"/>
-                <a:ea typeface="+mn-ea"/>
-                <a:cs typeface="Times New Roman" panose="02020603050405020304" pitchFamily="18" charset="0"/>
-              </a:rPr>
-              <a:t>Statement: With proper bullets.</a:t>
-            </a:r>
-            <a:endParaRPr kumimoji="0" lang="en-IN" sz="1800" b="0" i="0" u="none" strike="noStrike" kern="1200" cap="none" spc="0" normalizeH="0" baseline="0" noProof="0" dirty="0">
-              <a:ln>
-                <a:noFill/>
-              </a:ln>
-              <a:solidFill>
-                <a:srgbClr val="000000">
-                  <a:lumMod val="85000"/>
-                  <a:lumOff val="15000"/>
-                </a:srgbClr>
-              </a:solidFill>
-              <a:effectLst/>
-              <a:uLnTx/>
-              <a:uFillTx/>
-              <a:latin typeface="Gill Sans MT" panose="020B0502020104020203"/>
-              <a:ea typeface="+mn-ea"/>
-              <a:cs typeface="+mn-cs"/>
-            </a:endParaRPr>
-          </a:p>
-          <a:p>
-            <a:pPr marL="0" marR="0" lvl="0" indent="0" algn="l" defTabSz="914400" rtl="0" eaLnBrk="1" fontAlgn="auto" latinLnBrk="0" hangingPunct="1">
-              <a:lnSpc>
-                <a:spcPct val="100000"/>
-              </a:lnSpc>
-              <a:spcBef>
-                <a:spcPts val="1000"/>
-              </a:spcBef>
-              <a:spcAft>
-                <a:spcPts val="0"/>
-              </a:spcAft>
-              <a:buClr>
-                <a:srgbClr val="9BAFB5"/>
-              </a:buClr>
-              <a:buSzTx/>
-              <a:buFont typeface="Arial" panose="020B0604020202020204" pitchFamily="34" charset="0"/>
-              <a:buNone/>
-              <a:tabLst/>
-              <a:defRPr/>
-            </a:pPr>
-            <a:endParaRPr kumimoji="0" lang="en-IN" sz="1800" b="0" i="0" u="none" strike="noStrike" kern="1200" cap="none" spc="0" normalizeH="0" baseline="0" noProof="0" dirty="0">
-              <a:ln>
-                <a:noFill/>
-              </a:ln>
-              <a:solidFill>
-                <a:srgbClr val="000000">
-                  <a:lumMod val="85000"/>
-                  <a:lumOff val="15000"/>
-                </a:srgbClr>
-              </a:solidFill>
-              <a:effectLst/>
-              <a:uLnTx/>
-              <a:uFillTx/>
-              <a:latin typeface="Gill Sans MT" panose="020B0502020104020203"/>
-              <a:ea typeface="+mn-ea"/>
-              <a:cs typeface="+mn-cs"/>
-            </a:endParaRPr>
-          </a:p>
-          <a:p>
+              <a:t>Implemented personalized performance analysis and recommendations, enabling aspirants to receive tailored insights into their strengths and weaknesses</a:t>
+            </a:r>
             <a:endParaRPr lang="en-IN" dirty="0"/>
           </a:p>
         </p:txBody>
